--- a/Slides/Clase_3_2020.pptx
+++ b/Slides/Clase_3_2020.pptx
@@ -5,7 +5,7 @@
     <p:sldMasterId id="2147483657" r:id="rId1"/>
   </p:sldMasterIdLst>
   <p:notesMasterIdLst>
-    <p:notesMasterId r:id="rId26"/>
+    <p:notesMasterId r:id="rId28"/>
   </p:notesMasterIdLst>
   <p:sldIdLst>
     <p:sldId id="256" r:id="rId2"/>
@@ -21,41 +21,43 @@
     <p:sldId id="379" r:id="rId12"/>
     <p:sldId id="380" r:id="rId13"/>
     <p:sldId id="381" r:id="rId14"/>
-    <p:sldId id="382" r:id="rId15"/>
-    <p:sldId id="388" r:id="rId16"/>
-    <p:sldId id="389" r:id="rId17"/>
-    <p:sldId id="390" r:id="rId18"/>
-    <p:sldId id="391" r:id="rId19"/>
-    <p:sldId id="392" r:id="rId20"/>
-    <p:sldId id="393" r:id="rId21"/>
-    <p:sldId id="394" r:id="rId22"/>
-    <p:sldId id="395" r:id="rId23"/>
-    <p:sldId id="396" r:id="rId24"/>
-    <p:sldId id="397" r:id="rId25"/>
+    <p:sldId id="398" r:id="rId15"/>
+    <p:sldId id="399" r:id="rId16"/>
+    <p:sldId id="382" r:id="rId17"/>
+    <p:sldId id="388" r:id="rId18"/>
+    <p:sldId id="389" r:id="rId19"/>
+    <p:sldId id="390" r:id="rId20"/>
+    <p:sldId id="391" r:id="rId21"/>
+    <p:sldId id="392" r:id="rId22"/>
+    <p:sldId id="393" r:id="rId23"/>
+    <p:sldId id="394" r:id="rId24"/>
+    <p:sldId id="395" r:id="rId25"/>
+    <p:sldId id="396" r:id="rId26"/>
+    <p:sldId id="397" r:id="rId27"/>
   </p:sldIdLst>
   <p:sldSz cx="9144000" cy="5143500" type="screen16x9"/>
   <p:notesSz cx="6858000" cy="9144000"/>
   <p:embeddedFontLst>
     <p:embeddedFont>
-      <p:font typeface="Roboto Condensed Light" panose="020B0604020202020204" charset="0"/>
-      <p:regular r:id="rId27"/>
-      <p:bold r:id="rId28"/>
-      <p:italic r:id="rId29"/>
-      <p:boldItalic r:id="rId30"/>
+      <p:font typeface="Roboto Condensed" panose="020B0604020202020204" charset="0"/>
+      <p:regular r:id="rId29"/>
+      <p:bold r:id="rId30"/>
+      <p:italic r:id="rId31"/>
+      <p:boldItalic r:id="rId32"/>
     </p:embeddedFont>
     <p:embeddedFont>
-      <p:font typeface="Roboto Condensed" panose="020B0604020202020204" charset="0"/>
-      <p:regular r:id="rId31"/>
-      <p:bold r:id="rId32"/>
-      <p:italic r:id="rId33"/>
-      <p:boldItalic r:id="rId34"/>
+      <p:font typeface="Roboto Condensed Light" panose="020B0604020202020204" charset="0"/>
+      <p:regular r:id="rId33"/>
+      <p:bold r:id="rId34"/>
+      <p:italic r:id="rId35"/>
+      <p:boldItalic r:id="rId36"/>
     </p:embeddedFont>
     <p:embeddedFont>
       <p:font typeface="Arvo" panose="020B0604020202020204" charset="0"/>
-      <p:regular r:id="rId35"/>
-      <p:bold r:id="rId36"/>
-      <p:italic r:id="rId37"/>
-      <p:boldItalic r:id="rId38"/>
+      <p:regular r:id="rId37"/>
+      <p:bold r:id="rId38"/>
+      <p:italic r:id="rId39"/>
+      <p:boldItalic r:id="rId40"/>
     </p:embeddedFont>
   </p:embeddedFontLst>
   <p:defaultTextStyle>
@@ -5721,9 +5723,30 @@
           <a:bodyPr/>
           <a:lstStyle/>
           <a:p>
+            <a:endParaRPr lang="es-MX"/>
+          </a:p>
+        </p:txBody>
+      </p:sp>
+      <p:sp>
+        <p:nvSpPr>
+          <p:cNvPr id="3" name="Marcador de texto 2"/>
+          <p:cNvSpPr>
+            <a:spLocks noGrp="1"/>
+          </p:cNvSpPr>
+          <p:nvPr>
+            <p:ph type="body" idx="1"/>
+          </p:nvPr>
+        </p:nvSpPr>
+        <p:spPr/>
+        <p:txBody>
+          <a:bodyPr/>
+          <a:lstStyle/>
+          <a:p>
             <a:r>
-              <a:rPr lang="es-MX" dirty="0" smtClean="0"/>
-              <a:t>Ejemplo 3</a:t>
+              <a:rPr lang="es-MX" dirty="0" smtClean="0">
+                <a:hlinkClick r:id="rId2"/>
+              </a:rPr>
+              <a:t>Somos diferentes</a:t>
             </a:r>
             <a:endParaRPr lang="es-MX" dirty="0"/>
           </a:p>
@@ -5756,6 +5779,209 @@
             <a:fld id="{00000000-1234-1234-1234-123412341234}" type="slidenum">
               <a:rPr lang="es-MX" smtClean="0"/>
               <a:t>14</a:t>
+            </a:fld>
+            <a:endParaRPr lang="es-MX"/>
+          </a:p>
+        </p:txBody>
+      </p:sp>
+    </p:spTree>
+    <p:extLst>
+      <p:ext uri="{BB962C8B-B14F-4D97-AF65-F5344CB8AC3E}">
+        <p14:creationId xmlns:p14="http://schemas.microsoft.com/office/powerpoint/2010/main" val="697001859"/>
+      </p:ext>
+    </p:extLst>
+  </p:cSld>
+  <p:clrMapOvr>
+    <a:masterClrMapping/>
+  </p:clrMapOvr>
+</p:sld>
+</file>
+
+<file path=ppt/slides/slide15.xml><?xml version="1.0" encoding="utf-8"?>
+<p:sld xmlns:a="http://schemas.openxmlformats.org/drawingml/2006/main" xmlns:r="http://schemas.openxmlformats.org/officeDocument/2006/relationships" xmlns:p="http://schemas.openxmlformats.org/presentationml/2006/main">
+  <p:cSld>
+    <p:spTree>
+      <p:nvGrpSpPr>
+        <p:cNvPr id="1" name=""/>
+        <p:cNvGrpSpPr/>
+        <p:nvPr/>
+      </p:nvGrpSpPr>
+      <p:grpSpPr>
+        <a:xfrm>
+          <a:off x="0" y="0"/>
+          <a:ext cx="0" cy="0"/>
+          <a:chOff x="0" y="0"/>
+          <a:chExt cx="0" cy="0"/>
+        </a:xfrm>
+      </p:grpSpPr>
+      <p:sp>
+        <p:nvSpPr>
+          <p:cNvPr id="2" name="Título 1"/>
+          <p:cNvSpPr>
+            <a:spLocks noGrp="1"/>
+          </p:cNvSpPr>
+          <p:nvPr>
+            <p:ph type="title"/>
+          </p:nvPr>
+        </p:nvSpPr>
+        <p:spPr/>
+        <p:txBody>
+          <a:bodyPr/>
+          <a:lstStyle/>
+          <a:p>
+            <a:endParaRPr lang="es-MX"/>
+          </a:p>
+        </p:txBody>
+      </p:sp>
+      <p:sp>
+        <p:nvSpPr>
+          <p:cNvPr id="3" name="Marcador de texto 2"/>
+          <p:cNvSpPr>
+            <a:spLocks noGrp="1"/>
+          </p:cNvSpPr>
+          <p:nvPr>
+            <p:ph type="body" idx="1"/>
+          </p:nvPr>
+        </p:nvSpPr>
+        <p:spPr/>
+        <p:txBody>
+          <a:bodyPr/>
+          <a:lstStyle/>
+          <a:p>
+            <a:r>
+              <a:rPr lang="es-MX" dirty="0" smtClean="0">
+                <a:hlinkClick r:id="rId2"/>
+              </a:rPr>
+              <a:t>Somos los “</a:t>
+            </a:r>
+            <a:r>
+              <a:rPr lang="es-MX" dirty="0" err="1" smtClean="0">
+                <a:hlinkClick r:id="rId2"/>
+              </a:rPr>
+              <a:t>underdog</a:t>
+            </a:r>
+            <a:r>
+              <a:rPr lang="es-MX" dirty="0" smtClean="0">
+                <a:hlinkClick r:id="rId2"/>
+              </a:rPr>
+              <a:t>”</a:t>
+            </a:r>
+            <a:endParaRPr lang="es-MX" dirty="0"/>
+          </a:p>
+        </p:txBody>
+      </p:sp>
+      <p:sp>
+        <p:nvSpPr>
+          <p:cNvPr id="4" name="Marcador de número de diapositiva 3"/>
+          <p:cNvSpPr>
+            <a:spLocks noGrp="1"/>
+          </p:cNvSpPr>
+          <p:nvPr>
+            <p:ph type="sldNum" idx="12"/>
+          </p:nvPr>
+        </p:nvSpPr>
+        <p:spPr/>
+        <p:txBody>
+          <a:bodyPr/>
+          <a:lstStyle/>
+          <a:p>
+            <a:pPr marL="0" lvl="0" indent="0">
+              <a:spcBef>
+                <a:spcPts val="0"/>
+              </a:spcBef>
+              <a:spcAft>
+                <a:spcPts val="0"/>
+              </a:spcAft>
+              <a:buNone/>
+            </a:pPr>
+            <a:fld id="{00000000-1234-1234-1234-123412341234}" type="slidenum">
+              <a:rPr lang="es-MX" smtClean="0"/>
+              <a:t>15</a:t>
+            </a:fld>
+            <a:endParaRPr lang="es-MX"/>
+          </a:p>
+        </p:txBody>
+      </p:sp>
+    </p:spTree>
+    <p:extLst>
+      <p:ext uri="{BB962C8B-B14F-4D97-AF65-F5344CB8AC3E}">
+        <p14:creationId xmlns:p14="http://schemas.microsoft.com/office/powerpoint/2010/main" val="3713423619"/>
+      </p:ext>
+    </p:extLst>
+  </p:cSld>
+  <p:clrMapOvr>
+    <a:masterClrMapping/>
+  </p:clrMapOvr>
+</p:sld>
+</file>
+
+<file path=ppt/slides/slide16.xml><?xml version="1.0" encoding="utf-8"?>
+<p:sld xmlns:a="http://schemas.openxmlformats.org/drawingml/2006/main" xmlns:r="http://schemas.openxmlformats.org/officeDocument/2006/relationships" xmlns:p="http://schemas.openxmlformats.org/presentationml/2006/main">
+  <p:cSld>
+    <p:spTree>
+      <p:nvGrpSpPr>
+        <p:cNvPr id="1" name=""/>
+        <p:cNvGrpSpPr/>
+        <p:nvPr/>
+      </p:nvGrpSpPr>
+      <p:grpSpPr>
+        <a:xfrm>
+          <a:off x="0" y="0"/>
+          <a:ext cx="0" cy="0"/>
+          <a:chOff x="0" y="0"/>
+          <a:chExt cx="0" cy="0"/>
+        </a:xfrm>
+      </p:grpSpPr>
+      <p:sp>
+        <p:nvSpPr>
+          <p:cNvPr id="2" name="Título 1"/>
+          <p:cNvSpPr>
+            <a:spLocks noGrp="1"/>
+          </p:cNvSpPr>
+          <p:nvPr>
+            <p:ph type="title"/>
+          </p:nvPr>
+        </p:nvSpPr>
+        <p:spPr/>
+        <p:txBody>
+          <a:bodyPr/>
+          <a:lstStyle/>
+          <a:p>
+            <a:r>
+              <a:rPr lang="es-MX" dirty="0" smtClean="0"/>
+              <a:t>Ejemplo 3</a:t>
+            </a:r>
+            <a:endParaRPr lang="es-MX" dirty="0"/>
+          </a:p>
+        </p:txBody>
+      </p:sp>
+      <p:sp>
+        <p:nvSpPr>
+          <p:cNvPr id="4" name="Marcador de número de diapositiva 3"/>
+          <p:cNvSpPr>
+            <a:spLocks noGrp="1"/>
+          </p:cNvSpPr>
+          <p:nvPr>
+            <p:ph type="sldNum" idx="12"/>
+          </p:nvPr>
+        </p:nvSpPr>
+        <p:spPr/>
+        <p:txBody>
+          <a:bodyPr/>
+          <a:lstStyle/>
+          <a:p>
+            <a:pPr marL="0" lvl="0" indent="0">
+              <a:spcBef>
+                <a:spcPts val="0"/>
+              </a:spcBef>
+              <a:spcAft>
+                <a:spcPts val="0"/>
+              </a:spcAft>
+              <a:buNone/>
+            </a:pPr>
+            <a:fld id="{00000000-1234-1234-1234-123412341234}" type="slidenum">
+              <a:rPr lang="es-MX" smtClean="0"/>
+              <a:t>16</a:t>
             </a:fld>
             <a:endParaRPr lang="es-MX"/>
           </a:p>
@@ -5815,7 +6041,7 @@
 </p:sld>
 </file>
 
-<file path=ppt/slides/slide15.xml><?xml version="1.0" encoding="utf-8"?>
+<file path=ppt/slides/slide17.xml><?xml version="1.0" encoding="utf-8"?>
 <p:sld xmlns:a="http://schemas.openxmlformats.org/drawingml/2006/main" xmlns:r="http://schemas.openxmlformats.org/officeDocument/2006/relationships" xmlns:p="http://schemas.openxmlformats.org/presentationml/2006/main">
   <p:cSld>
     <p:spTree>
@@ -5948,7 +6174,7 @@
             </a:pPr>
             <a:fld id="{00000000-1234-1234-1234-123412341234}" type="slidenum">
               <a:rPr lang="en"/>
-              <a:t>15</a:t>
+              <a:t>17</a:t>
             </a:fld>
             <a:endParaRPr/>
           </a:p>
@@ -6025,7 +6251,7 @@
 </p:sld>
 </file>
 
-<file path=ppt/slides/slide16.xml><?xml version="1.0" encoding="utf-8"?>
+<file path=ppt/slides/slide18.xml><?xml version="1.0" encoding="utf-8"?>
 <p:sld xmlns:a="http://schemas.openxmlformats.org/drawingml/2006/main" xmlns:r="http://schemas.openxmlformats.org/officeDocument/2006/relationships" xmlns:p="http://schemas.openxmlformats.org/presentationml/2006/main">
   <p:cSld>
     <p:spTree>
@@ -6091,7 +6317,7 @@
             </a:pPr>
             <a:fld id="{00000000-1234-1234-1234-123412341234}" type="slidenum">
               <a:rPr lang="es-MX" smtClean="0"/>
-              <a:t>16</a:t>
+              <a:t>18</a:t>
             </a:fld>
             <a:endParaRPr lang="es-MX"/>
           </a:p>
@@ -6151,7 +6377,7 @@
 </p:sld>
 </file>
 
-<file path=ppt/slides/slide17.xml><?xml version="1.0" encoding="utf-8"?>
+<file path=ppt/slides/slide19.xml><?xml version="1.0" encoding="utf-8"?>
 <p:sld xmlns:a="http://schemas.openxmlformats.org/drawingml/2006/main" xmlns:r="http://schemas.openxmlformats.org/officeDocument/2006/relationships" xmlns:p="http://schemas.openxmlformats.org/presentationml/2006/main">
   <p:cSld>
     <p:spTree>
@@ -6217,7 +6443,7 @@
             </a:pPr>
             <a:fld id="{00000000-1234-1234-1234-123412341234}" type="slidenum">
               <a:rPr lang="es-MX" smtClean="0"/>
-              <a:t>17</a:t>
+              <a:t>19</a:t>
             </a:fld>
             <a:endParaRPr lang="es-MX"/>
           </a:p>
@@ -6277,230 +6503,6 @@
 </p:sld>
 </file>
 
-<file path=ppt/slides/slide18.xml><?xml version="1.0" encoding="utf-8"?>
-<p:sld xmlns:a="http://schemas.openxmlformats.org/drawingml/2006/main" xmlns:r="http://schemas.openxmlformats.org/officeDocument/2006/relationships" xmlns:p="http://schemas.openxmlformats.org/presentationml/2006/main">
-  <p:cSld>
-    <p:spTree>
-      <p:nvGrpSpPr>
-        <p:cNvPr id="1" name=""/>
-        <p:cNvGrpSpPr/>
-        <p:nvPr/>
-      </p:nvGrpSpPr>
-      <p:grpSpPr>
-        <a:xfrm>
-          <a:off x="0" y="0"/>
-          <a:ext cx="0" cy="0"/>
-          <a:chOff x="0" y="0"/>
-          <a:chExt cx="0" cy="0"/>
-        </a:xfrm>
-      </p:grpSpPr>
-      <p:sp>
-        <p:nvSpPr>
-          <p:cNvPr id="5" name="Título 4"/>
-          <p:cNvSpPr>
-            <a:spLocks noGrp="1"/>
-          </p:cNvSpPr>
-          <p:nvPr>
-            <p:ph type="ctrTitle"/>
-          </p:nvPr>
-        </p:nvSpPr>
-        <p:spPr/>
-        <p:txBody>
-          <a:bodyPr/>
-          <a:lstStyle/>
-          <a:p>
-            <a:r>
-              <a:rPr lang="es-MX" dirty="0" smtClean="0"/>
-              <a:t>Presentación de 3 minutos</a:t>
-            </a:r>
-            <a:endParaRPr lang="es-MX" dirty="0"/>
-          </a:p>
-        </p:txBody>
-      </p:sp>
-      <p:sp>
-        <p:nvSpPr>
-          <p:cNvPr id="6" name="Subtítulo 5"/>
-          <p:cNvSpPr>
-            <a:spLocks noGrp="1"/>
-          </p:cNvSpPr>
-          <p:nvPr>
-            <p:ph type="subTitle" idx="1"/>
-          </p:nvPr>
-        </p:nvSpPr>
-        <p:spPr/>
-        <p:txBody>
-          <a:bodyPr/>
-          <a:lstStyle/>
-          <a:p>
-            <a:endParaRPr lang="es-MX"/>
-          </a:p>
-        </p:txBody>
-      </p:sp>
-      <p:sp>
-        <p:nvSpPr>
-          <p:cNvPr id="4" name="Marcador de número de diapositiva 3"/>
-          <p:cNvSpPr>
-            <a:spLocks noGrp="1"/>
-          </p:cNvSpPr>
-          <p:nvPr>
-            <p:ph type="sldNum" idx="12"/>
-          </p:nvPr>
-        </p:nvSpPr>
-        <p:spPr/>
-        <p:txBody>
-          <a:bodyPr/>
-          <a:lstStyle/>
-          <a:p>
-            <a:pPr marL="0" lvl="0" indent="0">
-              <a:spcBef>
-                <a:spcPts val="0"/>
-              </a:spcBef>
-              <a:spcAft>
-                <a:spcPts val="0"/>
-              </a:spcAft>
-              <a:buNone/>
-            </a:pPr>
-            <a:fld id="{00000000-1234-1234-1234-123412341234}" type="slidenum">
-              <a:rPr lang="es-MX" smtClean="0"/>
-              <a:t>18</a:t>
-            </a:fld>
-            <a:endParaRPr lang="es-MX"/>
-          </a:p>
-        </p:txBody>
-      </p:sp>
-    </p:spTree>
-    <p:extLst>
-      <p:ext uri="{BB962C8B-B14F-4D97-AF65-F5344CB8AC3E}">
-        <p14:creationId xmlns:p14="http://schemas.microsoft.com/office/powerpoint/2010/main" val="860576099"/>
-      </p:ext>
-    </p:extLst>
-  </p:cSld>
-  <p:clrMapOvr>
-    <a:masterClrMapping/>
-  </p:clrMapOvr>
-</p:sld>
-</file>
-
-<file path=ppt/slides/slide19.xml><?xml version="1.0" encoding="utf-8"?>
-<p:sld xmlns:a="http://schemas.openxmlformats.org/drawingml/2006/main" xmlns:r="http://schemas.openxmlformats.org/officeDocument/2006/relationships" xmlns:p="http://schemas.openxmlformats.org/presentationml/2006/main">
-  <p:cSld>
-    <p:spTree>
-      <p:nvGrpSpPr>
-        <p:cNvPr id="1" name=""/>
-        <p:cNvGrpSpPr/>
-        <p:nvPr/>
-      </p:nvGrpSpPr>
-      <p:grpSpPr>
-        <a:xfrm>
-          <a:off x="0" y="0"/>
-          <a:ext cx="0" cy="0"/>
-          <a:chOff x="0" y="0"/>
-          <a:chExt cx="0" cy="0"/>
-        </a:xfrm>
-      </p:grpSpPr>
-      <p:sp>
-        <p:nvSpPr>
-          <p:cNvPr id="2" name="Título 1"/>
-          <p:cNvSpPr>
-            <a:spLocks noGrp="1"/>
-          </p:cNvSpPr>
-          <p:nvPr>
-            <p:ph type="title"/>
-          </p:nvPr>
-        </p:nvSpPr>
-        <p:spPr/>
-        <p:txBody>
-          <a:bodyPr/>
-          <a:lstStyle/>
-          <a:p>
-            <a:r>
-              <a:rPr lang="es-MX" dirty="0" smtClean="0"/>
-              <a:t>3 Grandes Elementos</a:t>
-            </a:r>
-            <a:endParaRPr lang="es-MX" dirty="0"/>
-          </a:p>
-        </p:txBody>
-      </p:sp>
-      <p:sp>
-        <p:nvSpPr>
-          <p:cNvPr id="3" name="Marcador de texto 2"/>
-          <p:cNvSpPr>
-            <a:spLocks noGrp="1"/>
-          </p:cNvSpPr>
-          <p:nvPr>
-            <p:ph type="body" idx="1"/>
-          </p:nvPr>
-        </p:nvSpPr>
-        <p:spPr/>
-        <p:txBody>
-          <a:bodyPr/>
-          <a:lstStyle/>
-          <a:p>
-            <a:r>
-              <a:rPr lang="es-MX" dirty="0" smtClean="0"/>
-              <a:t>Villano (Problema)</a:t>
-            </a:r>
-          </a:p>
-          <a:p>
-            <a:r>
-              <a:rPr lang="es-MX" dirty="0" smtClean="0"/>
-              <a:t>El Contraste, y como la solución arregla todo</a:t>
-            </a:r>
-          </a:p>
-          <a:p>
-            <a:r>
-              <a:rPr lang="es-MX" sz="3200" b="1" dirty="0" smtClean="0"/>
-              <a:t>Tiempo</a:t>
-            </a:r>
-            <a:endParaRPr lang="es-MX" b="1" dirty="0"/>
-          </a:p>
-        </p:txBody>
-      </p:sp>
-      <p:sp>
-        <p:nvSpPr>
-          <p:cNvPr id="4" name="Marcador de número de diapositiva 3"/>
-          <p:cNvSpPr>
-            <a:spLocks noGrp="1"/>
-          </p:cNvSpPr>
-          <p:nvPr>
-            <p:ph type="sldNum" idx="12"/>
-          </p:nvPr>
-        </p:nvSpPr>
-        <p:spPr/>
-        <p:txBody>
-          <a:bodyPr/>
-          <a:lstStyle/>
-          <a:p>
-            <a:pPr marL="0" lvl="0" indent="0">
-              <a:spcBef>
-                <a:spcPts val="0"/>
-              </a:spcBef>
-              <a:spcAft>
-                <a:spcPts val="0"/>
-              </a:spcAft>
-              <a:buNone/>
-            </a:pPr>
-            <a:fld id="{00000000-1234-1234-1234-123412341234}" type="slidenum">
-              <a:rPr lang="es-MX" smtClean="0"/>
-              <a:t>19</a:t>
-            </a:fld>
-            <a:endParaRPr lang="es-MX"/>
-          </a:p>
-        </p:txBody>
-      </p:sp>
-    </p:spTree>
-    <p:extLst>
-      <p:ext uri="{BB962C8B-B14F-4D97-AF65-F5344CB8AC3E}">
-        <p14:creationId xmlns:p14="http://schemas.microsoft.com/office/powerpoint/2010/main" val="2158058104"/>
-      </p:ext>
-    </p:extLst>
-  </p:cSld>
-  <p:clrMapOvr>
-    <a:masterClrMapping/>
-  </p:clrMapOvr>
-</p:sld>
-</file>
-
 <file path=ppt/slides/slide2.xml><?xml version="1.0" encoding="utf-8"?>
 <p:sld xmlns:a="http://schemas.openxmlformats.org/drawingml/2006/main" xmlns:r="http://schemas.openxmlformats.org/officeDocument/2006/relationships" xmlns:p="http://schemas.openxmlformats.org/presentationml/2006/main">
   <p:cSld>
@@ -6735,12 +6737,12 @@
       </p:grpSpPr>
       <p:sp>
         <p:nvSpPr>
-          <p:cNvPr id="2" name="Título 1"/>
+          <p:cNvPr id="5" name="Título 4"/>
           <p:cNvSpPr>
             <a:spLocks noGrp="1"/>
           </p:cNvSpPr>
           <p:nvPr>
-            <p:ph type="title"/>
+            <p:ph type="ctrTitle"/>
           </p:nvPr>
         </p:nvSpPr>
         <p:spPr/>
@@ -6750,7 +6752,7 @@
           <a:p>
             <a:r>
               <a:rPr lang="es-MX" dirty="0" smtClean="0"/>
-              <a:t>Pregunta esenciales</a:t>
+              <a:t>Presentación de 3 minutos</a:t>
             </a:r>
             <a:endParaRPr lang="es-MX" dirty="0"/>
           </a:p>
@@ -6758,12 +6760,12 @@
       </p:sp>
       <p:sp>
         <p:nvSpPr>
-          <p:cNvPr id="3" name="Marcador de texto 2"/>
+          <p:cNvPr id="6" name="Subtítulo 5"/>
           <p:cNvSpPr>
             <a:spLocks noGrp="1"/>
           </p:cNvSpPr>
           <p:nvPr>
-            <p:ph type="body" idx="1"/>
+            <p:ph type="subTitle" idx="1"/>
           </p:nvPr>
         </p:nvSpPr>
         <p:spPr/>
@@ -6771,36 +6773,7 @@
           <a:bodyPr/>
           <a:lstStyle/>
           <a:p>
-            <a:r>
-              <a:rPr lang="es-MX" sz="2000" dirty="0" smtClean="0"/>
-              <a:t>Quién es la audiencia?</a:t>
-            </a:r>
-          </a:p>
-          <a:p>
-            <a:pPr lvl="1"/>
-            <a:r>
-              <a:rPr lang="es-MX" sz="2000" dirty="0" smtClean="0"/>
-              <a:t>Contexto</a:t>
-            </a:r>
-          </a:p>
-          <a:p>
-            <a:r>
-              <a:rPr lang="es-MX" sz="2000" dirty="0" smtClean="0"/>
-              <a:t>La audiencia esta familiarizada con los datos?</a:t>
-            </a:r>
-          </a:p>
-          <a:p>
-            <a:r>
-              <a:rPr lang="es-MX" sz="2000" b="1" dirty="0" smtClean="0"/>
-              <a:t>Cual sería un escenario exitoso de la presentación?</a:t>
-            </a:r>
-          </a:p>
-          <a:p>
-            <a:r>
-              <a:rPr lang="es-MX" sz="2000" b="1" dirty="0" smtClean="0"/>
-              <a:t>Si tuvieras que reducir la presentación a una oración….cual sería?</a:t>
-            </a:r>
-            <a:endParaRPr lang="es-MX" sz="2000" b="1" dirty="0"/>
+            <a:endParaRPr lang="es-MX"/>
           </a:p>
         </p:txBody>
       </p:sp>
@@ -6839,7 +6812,7 @@
     </p:spTree>
     <p:extLst>
       <p:ext uri="{BB962C8B-B14F-4D97-AF65-F5344CB8AC3E}">
-        <p14:creationId xmlns:p14="http://schemas.microsoft.com/office/powerpoint/2010/main" val="3515260083"/>
+        <p14:creationId xmlns:p14="http://schemas.microsoft.com/office/powerpoint/2010/main" val="860576099"/>
       </p:ext>
     </p:extLst>
   </p:cSld>
@@ -6883,7 +6856,7 @@
           <a:p>
             <a:r>
               <a:rPr lang="es-MX" dirty="0" smtClean="0"/>
-              <a:t>La historia de 3 minutos</a:t>
+              <a:t>3 Grandes Elementos</a:t>
             </a:r>
             <a:endParaRPr lang="es-MX" dirty="0"/>
           </a:p>
@@ -6906,29 +6879,21 @@
           <a:p>
             <a:r>
               <a:rPr lang="es-MX" dirty="0" smtClean="0"/>
-              <a:t>Tienen que ser capaces de quitar información innecesaria, y llevar el “y entonces….” (so-</a:t>
+              <a:t>Villano (Problema)</a:t>
             </a:r>
-            <a:r>
-              <a:rPr lang="es-MX" dirty="0" err="1" smtClean="0"/>
-              <a:t>what</a:t>
-            </a:r>
+          </a:p>
+          <a:p>
             <a:r>
               <a:rPr lang="es-MX" dirty="0" smtClean="0"/>
-              <a:t>) a una sola oración.</a:t>
+              <a:t>El Contraste, y como la solución arregla todo</a:t>
             </a:r>
           </a:p>
           <a:p>
             <a:r>
-              <a:rPr lang="es-MX" dirty="0" smtClean="0"/>
-              <a:t>“Hubiera escrito una carta más corta pero no me dio tiempo”</a:t>
+              <a:rPr lang="es-MX" sz="3200" b="1" dirty="0" smtClean="0"/>
+              <a:t>Tiempo</a:t>
             </a:r>
-          </a:p>
-          <a:p>
-            <a:r>
-              <a:rPr lang="es-MX" dirty="0" smtClean="0"/>
-              <a:t>Blaise Pascal</a:t>
-            </a:r>
-            <a:endParaRPr lang="es-MX" dirty="0"/>
+            <a:endParaRPr lang="es-MX" b="1" dirty="0"/>
           </a:p>
         </p:txBody>
       </p:sp>
@@ -6967,7 +6932,7 @@
     </p:spTree>
     <p:extLst>
       <p:ext uri="{BB962C8B-B14F-4D97-AF65-F5344CB8AC3E}">
-        <p14:creationId xmlns:p14="http://schemas.microsoft.com/office/powerpoint/2010/main" val="1309766088"/>
+        <p14:creationId xmlns:p14="http://schemas.microsoft.com/office/powerpoint/2010/main" val="2158058104"/>
       </p:ext>
     </p:extLst>
   </p:cSld>
@@ -7011,7 +6976,7 @@
           <a:p>
             <a:r>
               <a:rPr lang="es-MX" dirty="0" smtClean="0"/>
-              <a:t>3 componentes en 3 minutos</a:t>
+              <a:t>Pregunta esenciales</a:t>
             </a:r>
             <a:endParaRPr lang="es-MX" dirty="0"/>
           </a:p>
@@ -7033,22 +6998,35 @@
           <a:lstStyle/>
           <a:p>
             <a:r>
-              <a:rPr lang="es-MX" dirty="0" smtClean="0"/>
-              <a:t>Debe articular tu punto de vista</a:t>
+              <a:rPr lang="es-MX" sz="2000" dirty="0" smtClean="0"/>
+              <a:t>Quién es la audiencia?</a:t>
             </a:r>
           </a:p>
           <a:p>
+            <a:pPr lvl="1"/>
             <a:r>
-              <a:rPr lang="es-MX" dirty="0" smtClean="0"/>
-              <a:t>Debe comunicar lo que esta en juego</a:t>
+              <a:rPr lang="es-MX" sz="2000" dirty="0" smtClean="0"/>
+              <a:t>Contexto</a:t>
             </a:r>
           </a:p>
           <a:p>
             <a:r>
-              <a:rPr lang="es-MX" dirty="0" smtClean="0"/>
-              <a:t>Debe ser una oración completa.</a:t>
+              <a:rPr lang="es-MX" sz="2000" dirty="0" smtClean="0"/>
+              <a:t>La audiencia esta familiarizada con los datos?</a:t>
             </a:r>
-            <a:endParaRPr lang="es-MX" dirty="0"/>
+          </a:p>
+          <a:p>
+            <a:r>
+              <a:rPr lang="es-MX" sz="2000" b="1" dirty="0" smtClean="0"/>
+              <a:t>Cual sería un escenario exitoso de la presentación?</a:t>
+            </a:r>
+          </a:p>
+          <a:p>
+            <a:r>
+              <a:rPr lang="es-MX" sz="2000" b="1" dirty="0" smtClean="0"/>
+              <a:t>Si tuvieras que reducir la presentación a una oración….cual sería?</a:t>
+            </a:r>
+            <a:endParaRPr lang="es-MX" sz="2000" b="1" dirty="0"/>
           </a:p>
         </p:txBody>
       </p:sp>
@@ -7087,7 +7065,7 @@
     </p:spTree>
     <p:extLst>
       <p:ext uri="{BB962C8B-B14F-4D97-AF65-F5344CB8AC3E}">
-        <p14:creationId xmlns:p14="http://schemas.microsoft.com/office/powerpoint/2010/main" val="3620416528"/>
+        <p14:creationId xmlns:p14="http://schemas.microsoft.com/office/powerpoint/2010/main" val="3515260083"/>
       </p:ext>
     </p:extLst>
   </p:cSld>
@@ -7116,12 +7094,12 @@
       </p:grpSpPr>
       <p:sp>
         <p:nvSpPr>
-          <p:cNvPr id="5" name="Título 4"/>
+          <p:cNvPr id="2" name="Título 1"/>
           <p:cNvSpPr>
             <a:spLocks noGrp="1"/>
           </p:cNvSpPr>
           <p:nvPr>
-            <p:ph type="ctrTitle"/>
+            <p:ph type="title"/>
           </p:nvPr>
         </p:nvSpPr>
         <p:spPr/>
@@ -7131,7 +7109,7 @@
           <a:p>
             <a:r>
               <a:rPr lang="es-MX" dirty="0" smtClean="0"/>
-              <a:t>Como hacerlo en Python</a:t>
+              <a:t>La historia de 3 minutos</a:t>
             </a:r>
             <a:endParaRPr lang="es-MX" dirty="0"/>
           </a:p>
@@ -7139,12 +7117,12 @@
       </p:sp>
       <p:sp>
         <p:nvSpPr>
-          <p:cNvPr id="6" name="Subtítulo 5"/>
+          <p:cNvPr id="3" name="Marcador de texto 2"/>
           <p:cNvSpPr>
             <a:spLocks noGrp="1"/>
           </p:cNvSpPr>
           <p:nvPr>
-            <p:ph type="subTitle" idx="1"/>
+            <p:ph type="body" idx="1"/>
           </p:nvPr>
         </p:nvSpPr>
         <p:spPr/>
@@ -7152,7 +7130,31 @@
           <a:bodyPr/>
           <a:lstStyle/>
           <a:p>
-            <a:endParaRPr lang="es-MX"/>
+            <a:r>
+              <a:rPr lang="es-MX" dirty="0" smtClean="0"/>
+              <a:t>Tienen que ser capaces de quitar información innecesaria, y llevar el “y entonces….” (so-</a:t>
+            </a:r>
+            <a:r>
+              <a:rPr lang="es-MX" dirty="0" err="1" smtClean="0"/>
+              <a:t>what</a:t>
+            </a:r>
+            <a:r>
+              <a:rPr lang="es-MX" dirty="0" smtClean="0"/>
+              <a:t>) a una sola oración.</a:t>
+            </a:r>
+          </a:p>
+          <a:p>
+            <a:r>
+              <a:rPr lang="es-MX" dirty="0" smtClean="0"/>
+              <a:t>“Hubiera escrito una carta más corta pero no me dio tiempo”</a:t>
+            </a:r>
+          </a:p>
+          <a:p>
+            <a:r>
+              <a:rPr lang="es-MX" dirty="0" smtClean="0"/>
+              <a:t>Blaise Pascal</a:t>
+            </a:r>
+            <a:endParaRPr lang="es-MX" dirty="0"/>
           </a:p>
         </p:txBody>
       </p:sp>
@@ -7191,7 +7193,7 @@
     </p:spTree>
     <p:extLst>
       <p:ext uri="{BB962C8B-B14F-4D97-AF65-F5344CB8AC3E}">
-        <p14:creationId xmlns:p14="http://schemas.microsoft.com/office/powerpoint/2010/main" val="3755034915"/>
+        <p14:creationId xmlns:p14="http://schemas.microsoft.com/office/powerpoint/2010/main" val="1309766088"/>
       </p:ext>
     </p:extLst>
   </p:cSld>
@@ -7220,6 +7222,230 @@
       </p:grpSpPr>
       <p:sp>
         <p:nvSpPr>
+          <p:cNvPr id="2" name="Título 1"/>
+          <p:cNvSpPr>
+            <a:spLocks noGrp="1"/>
+          </p:cNvSpPr>
+          <p:nvPr>
+            <p:ph type="title"/>
+          </p:nvPr>
+        </p:nvSpPr>
+        <p:spPr/>
+        <p:txBody>
+          <a:bodyPr/>
+          <a:lstStyle/>
+          <a:p>
+            <a:r>
+              <a:rPr lang="es-MX" dirty="0" smtClean="0"/>
+              <a:t>3 componentes en 3 minutos</a:t>
+            </a:r>
+            <a:endParaRPr lang="es-MX" dirty="0"/>
+          </a:p>
+        </p:txBody>
+      </p:sp>
+      <p:sp>
+        <p:nvSpPr>
+          <p:cNvPr id="3" name="Marcador de texto 2"/>
+          <p:cNvSpPr>
+            <a:spLocks noGrp="1"/>
+          </p:cNvSpPr>
+          <p:nvPr>
+            <p:ph type="body" idx="1"/>
+          </p:nvPr>
+        </p:nvSpPr>
+        <p:spPr/>
+        <p:txBody>
+          <a:bodyPr/>
+          <a:lstStyle/>
+          <a:p>
+            <a:r>
+              <a:rPr lang="es-MX" dirty="0" smtClean="0"/>
+              <a:t>Debe articular tu punto de vista</a:t>
+            </a:r>
+          </a:p>
+          <a:p>
+            <a:r>
+              <a:rPr lang="es-MX" dirty="0" smtClean="0"/>
+              <a:t>Debe comunicar lo que esta en juego</a:t>
+            </a:r>
+          </a:p>
+          <a:p>
+            <a:r>
+              <a:rPr lang="es-MX" dirty="0" smtClean="0"/>
+              <a:t>Debe ser una oración completa.</a:t>
+            </a:r>
+            <a:endParaRPr lang="es-MX" dirty="0"/>
+          </a:p>
+        </p:txBody>
+      </p:sp>
+      <p:sp>
+        <p:nvSpPr>
+          <p:cNvPr id="4" name="Marcador de número de diapositiva 3"/>
+          <p:cNvSpPr>
+            <a:spLocks noGrp="1"/>
+          </p:cNvSpPr>
+          <p:nvPr>
+            <p:ph type="sldNum" idx="12"/>
+          </p:nvPr>
+        </p:nvSpPr>
+        <p:spPr/>
+        <p:txBody>
+          <a:bodyPr/>
+          <a:lstStyle/>
+          <a:p>
+            <a:pPr marL="0" lvl="0" indent="0">
+              <a:spcBef>
+                <a:spcPts val="0"/>
+              </a:spcBef>
+              <a:spcAft>
+                <a:spcPts val="0"/>
+              </a:spcAft>
+              <a:buNone/>
+            </a:pPr>
+            <a:fld id="{00000000-1234-1234-1234-123412341234}" type="slidenum">
+              <a:rPr lang="es-MX" smtClean="0"/>
+              <a:t>24</a:t>
+            </a:fld>
+            <a:endParaRPr lang="es-MX"/>
+          </a:p>
+        </p:txBody>
+      </p:sp>
+    </p:spTree>
+    <p:extLst>
+      <p:ext uri="{BB962C8B-B14F-4D97-AF65-F5344CB8AC3E}">
+        <p14:creationId xmlns:p14="http://schemas.microsoft.com/office/powerpoint/2010/main" val="3620416528"/>
+      </p:ext>
+    </p:extLst>
+  </p:cSld>
+  <p:clrMapOvr>
+    <a:masterClrMapping/>
+  </p:clrMapOvr>
+</p:sld>
+</file>
+
+<file path=ppt/slides/slide25.xml><?xml version="1.0" encoding="utf-8"?>
+<p:sld xmlns:a="http://schemas.openxmlformats.org/drawingml/2006/main" xmlns:r="http://schemas.openxmlformats.org/officeDocument/2006/relationships" xmlns:p="http://schemas.openxmlformats.org/presentationml/2006/main">
+  <p:cSld>
+    <p:spTree>
+      <p:nvGrpSpPr>
+        <p:cNvPr id="1" name=""/>
+        <p:cNvGrpSpPr/>
+        <p:nvPr/>
+      </p:nvGrpSpPr>
+      <p:grpSpPr>
+        <a:xfrm>
+          <a:off x="0" y="0"/>
+          <a:ext cx="0" cy="0"/>
+          <a:chOff x="0" y="0"/>
+          <a:chExt cx="0" cy="0"/>
+        </a:xfrm>
+      </p:grpSpPr>
+      <p:sp>
+        <p:nvSpPr>
+          <p:cNvPr id="5" name="Título 4"/>
+          <p:cNvSpPr>
+            <a:spLocks noGrp="1"/>
+          </p:cNvSpPr>
+          <p:nvPr>
+            <p:ph type="ctrTitle"/>
+          </p:nvPr>
+        </p:nvSpPr>
+        <p:spPr/>
+        <p:txBody>
+          <a:bodyPr/>
+          <a:lstStyle/>
+          <a:p>
+            <a:r>
+              <a:rPr lang="es-MX" dirty="0" smtClean="0"/>
+              <a:t>Como hacerlo en Python</a:t>
+            </a:r>
+            <a:endParaRPr lang="es-MX" dirty="0"/>
+          </a:p>
+        </p:txBody>
+      </p:sp>
+      <p:sp>
+        <p:nvSpPr>
+          <p:cNvPr id="6" name="Subtítulo 5"/>
+          <p:cNvSpPr>
+            <a:spLocks noGrp="1"/>
+          </p:cNvSpPr>
+          <p:nvPr>
+            <p:ph type="subTitle" idx="1"/>
+          </p:nvPr>
+        </p:nvSpPr>
+        <p:spPr/>
+        <p:txBody>
+          <a:bodyPr/>
+          <a:lstStyle/>
+          <a:p>
+            <a:endParaRPr lang="es-MX"/>
+          </a:p>
+        </p:txBody>
+      </p:sp>
+      <p:sp>
+        <p:nvSpPr>
+          <p:cNvPr id="4" name="Marcador de número de diapositiva 3"/>
+          <p:cNvSpPr>
+            <a:spLocks noGrp="1"/>
+          </p:cNvSpPr>
+          <p:nvPr>
+            <p:ph type="sldNum" idx="12"/>
+          </p:nvPr>
+        </p:nvSpPr>
+        <p:spPr/>
+        <p:txBody>
+          <a:bodyPr/>
+          <a:lstStyle/>
+          <a:p>
+            <a:pPr marL="0" lvl="0" indent="0">
+              <a:spcBef>
+                <a:spcPts val="0"/>
+              </a:spcBef>
+              <a:spcAft>
+                <a:spcPts val="0"/>
+              </a:spcAft>
+              <a:buNone/>
+            </a:pPr>
+            <a:fld id="{00000000-1234-1234-1234-123412341234}" type="slidenum">
+              <a:rPr lang="es-MX" smtClean="0"/>
+              <a:t>25</a:t>
+            </a:fld>
+            <a:endParaRPr lang="es-MX"/>
+          </a:p>
+        </p:txBody>
+      </p:sp>
+    </p:spTree>
+    <p:extLst>
+      <p:ext uri="{BB962C8B-B14F-4D97-AF65-F5344CB8AC3E}">
+        <p14:creationId xmlns:p14="http://schemas.microsoft.com/office/powerpoint/2010/main" val="3755034915"/>
+      </p:ext>
+    </p:extLst>
+  </p:cSld>
+  <p:clrMapOvr>
+    <a:masterClrMapping/>
+  </p:clrMapOvr>
+</p:sld>
+</file>
+
+<file path=ppt/slides/slide26.xml><?xml version="1.0" encoding="utf-8"?>
+<p:sld xmlns:a="http://schemas.openxmlformats.org/drawingml/2006/main" xmlns:r="http://schemas.openxmlformats.org/officeDocument/2006/relationships" xmlns:p="http://schemas.openxmlformats.org/presentationml/2006/main">
+  <p:cSld>
+    <p:spTree>
+      <p:nvGrpSpPr>
+        <p:cNvPr id="1" name=""/>
+        <p:cNvGrpSpPr/>
+        <p:nvPr/>
+      </p:nvGrpSpPr>
+      <p:grpSpPr>
+        <a:xfrm>
+          <a:off x="0" y="0"/>
+          <a:ext cx="0" cy="0"/>
+          <a:chOff x="0" y="0"/>
+          <a:chExt cx="0" cy="0"/>
+        </a:xfrm>
+      </p:grpSpPr>
+      <p:sp>
+        <p:nvSpPr>
           <p:cNvPr id="5" name="Título 4"/>
           <p:cNvSpPr>
             <a:spLocks noGrp="1"/>
@@ -7288,7 +7514,7 @@
             </a:pPr>
             <a:fld id="{00000000-1234-1234-1234-123412341234}" type="slidenum">
               <a:rPr lang="es-MX" smtClean="0"/>
-              <a:t>24</a:t>
+              <a:t>26</a:t>
             </a:fld>
             <a:endParaRPr lang="es-MX"/>
           </a:p>

--- a/Slides/Clase_3_2020.pptx
+++ b/Slides/Clase_3_2020.pptx
@@ -5,7 +5,7 @@
     <p:sldMasterId id="2147483657" r:id="rId1"/>
   </p:sldMasterIdLst>
   <p:notesMasterIdLst>
-    <p:notesMasterId r:id="rId28"/>
+    <p:notesMasterId r:id="rId31"/>
   </p:notesMasterIdLst>
   <p:sldIdLst>
     <p:sldId id="256" r:id="rId2"/>
@@ -27,37 +27,40 @@
     <p:sldId id="388" r:id="rId18"/>
     <p:sldId id="389" r:id="rId19"/>
     <p:sldId id="390" r:id="rId20"/>
-    <p:sldId id="391" r:id="rId21"/>
-    <p:sldId id="392" r:id="rId22"/>
-    <p:sldId id="393" r:id="rId23"/>
-    <p:sldId id="394" r:id="rId24"/>
-    <p:sldId id="395" r:id="rId25"/>
-    <p:sldId id="396" r:id="rId26"/>
-    <p:sldId id="397" r:id="rId27"/>
+    <p:sldId id="401" r:id="rId21"/>
+    <p:sldId id="402" r:id="rId22"/>
+    <p:sldId id="403" r:id="rId23"/>
+    <p:sldId id="391" r:id="rId24"/>
+    <p:sldId id="392" r:id="rId25"/>
+    <p:sldId id="393" r:id="rId26"/>
+    <p:sldId id="394" r:id="rId27"/>
+    <p:sldId id="395" r:id="rId28"/>
+    <p:sldId id="396" r:id="rId29"/>
+    <p:sldId id="397" r:id="rId30"/>
   </p:sldIdLst>
   <p:sldSz cx="9144000" cy="5143500" type="screen16x9"/>
   <p:notesSz cx="6858000" cy="9144000"/>
   <p:embeddedFontLst>
     <p:embeddedFont>
+      <p:font typeface="Arvo" panose="020B0604020202020204" charset="0"/>
+      <p:regular r:id="rId32"/>
+      <p:bold r:id="rId33"/>
+      <p:italic r:id="rId34"/>
+      <p:boldItalic r:id="rId35"/>
+    </p:embeddedFont>
+    <p:embeddedFont>
       <p:font typeface="Roboto Condensed" panose="020B0604020202020204" charset="0"/>
-      <p:regular r:id="rId29"/>
-      <p:bold r:id="rId30"/>
-      <p:italic r:id="rId31"/>
-      <p:boldItalic r:id="rId32"/>
+      <p:regular r:id="rId36"/>
+      <p:bold r:id="rId37"/>
+      <p:italic r:id="rId38"/>
+      <p:boldItalic r:id="rId39"/>
     </p:embeddedFont>
     <p:embeddedFont>
       <p:font typeface="Roboto Condensed Light" panose="020B0604020202020204" charset="0"/>
-      <p:regular r:id="rId33"/>
-      <p:bold r:id="rId34"/>
-      <p:italic r:id="rId35"/>
-      <p:boldItalic r:id="rId36"/>
-    </p:embeddedFont>
-    <p:embeddedFont>
-      <p:font typeface="Arvo" panose="020B0604020202020204" charset="0"/>
-      <p:regular r:id="rId37"/>
-      <p:bold r:id="rId38"/>
-      <p:italic r:id="rId39"/>
-      <p:boldItalic r:id="rId40"/>
+      <p:regular r:id="rId40"/>
+      <p:bold r:id="rId41"/>
+      <p:italic r:id="rId42"/>
+      <p:boldItalic r:id="rId43"/>
     </p:embeddedFont>
   </p:embeddedFontLst>
   <p:defaultTextStyle>
@@ -2622,7 +2625,7 @@
             </a:pPr>
             <a:fld id="{00000000-1234-1234-1234-123412341234}" type="slidenum">
               <a:rPr lang="en"/>
-              <a:t>‹Nº›</a:t>
+              <a:t>‹#›</a:t>
             </a:fld>
             <a:endParaRPr/>
           </a:p>
@@ -3499,7 +3502,7 @@
             </a:pPr>
             <a:fld id="{00000000-1234-1234-1234-123412341234}" type="slidenum">
               <a:rPr lang="en"/>
-              <a:t>‹Nº›</a:t>
+              <a:t>‹#›</a:t>
             </a:fld>
             <a:endParaRPr/>
           </a:p>
@@ -4225,7 +4228,7 @@
             </a:pPr>
             <a:fld id="{00000000-1234-1234-1234-123412341234}" type="slidenum">
               <a:rPr lang="en"/>
-              <a:t>‹Nº›</a:t>
+              <a:t>‹#›</a:t>
             </a:fld>
             <a:endParaRPr/>
           </a:p>
@@ -4987,11 +4990,11 @@
               <a:buNone/>
             </a:pPr>
             <a:r>
-              <a:rPr lang="es-MX" dirty="0" smtClean="0"/>
+              <a:rPr lang="es-MX" dirty="0"/>
               <a:t>Fundamentos de Data </a:t>
             </a:r>
             <a:r>
-              <a:rPr lang="es-MX" dirty="0" err="1" smtClean="0"/>
+              <a:rPr lang="es-MX" dirty="0" err="1"/>
               <a:t>Science</a:t>
             </a:r>
             <a:endParaRPr dirty="0"/>
@@ -5066,7 +5069,7 @@
                   <a:schemeClr val="tx1"/>
                 </a:solidFill>
               </a:rPr>
-              <a:t>lpalafox@up.edu.mx</a:t>
+              <a:t>lfpalafox@up.edu.mx</a:t>
             </a:r>
           </a:p>
         </p:txBody>
@@ -5112,10 +5115,9 @@
           <a:lstStyle/>
           <a:p>
             <a:r>
-              <a:rPr lang="es-MX" dirty="0" smtClean="0"/>
+              <a:rPr lang="es-MX" dirty="0"/>
               <a:t>Uno no vive sin el otro</a:t>
             </a:r>
-            <a:endParaRPr lang="es-MX" dirty="0"/>
           </a:p>
         </p:txBody>
       </p:sp>
@@ -5140,7 +5142,7 @@
           <a:lstStyle/>
           <a:p>
             <a:r>
-              <a:rPr lang="es-MX" dirty="0" smtClean="0"/>
+              <a:rPr lang="es-MX" dirty="0"/>
               <a:t>El superhéroe es definido por su conflicto, su problema o su villano.</a:t>
             </a:r>
           </a:p>
@@ -5148,7 +5150,7 @@
             <a:endParaRPr lang="es-MX" dirty="0"/>
           </a:p>
           <a:p>
-            <a:endParaRPr lang="es-MX" dirty="0" smtClean="0"/>
+            <a:endParaRPr lang="es-MX" dirty="0"/>
           </a:p>
           <a:p>
             <a:endParaRPr lang="es-MX" dirty="0"/>
@@ -5419,10 +5421,9 @@
           <a:lstStyle/>
           <a:p>
             <a:r>
-              <a:rPr lang="es-MX" dirty="0" smtClean="0"/>
+              <a:rPr lang="es-MX" dirty="0"/>
               <a:t>“Al establecer la importancia del problema (villano), se enfatiza la importancia de nuestra solución (héroe)”</a:t>
             </a:r>
-            <a:endParaRPr lang="es-MX" dirty="0"/>
           </a:p>
         </p:txBody>
       </p:sp>
@@ -5504,10 +5505,9 @@
           <a:lstStyle/>
           <a:p>
             <a:r>
-              <a:rPr lang="es-MX" dirty="0" smtClean="0"/>
+              <a:rPr lang="es-MX" dirty="0"/>
               <a:t>Ejemplo 1</a:t>
             </a:r>
-            <a:endParaRPr lang="es-MX" dirty="0"/>
           </a:p>
         </p:txBody>
       </p:sp>
@@ -5527,7 +5527,7 @@
           <a:lstStyle/>
           <a:p>
             <a:r>
-              <a:rPr lang="es-MX" dirty="0" smtClean="0">
+              <a:rPr lang="es-MX" dirty="0">
                 <a:hlinkClick r:id="rId2"/>
               </a:rPr>
               <a:t>Cómo revolucionamos el mundo</a:t>
@@ -5614,10 +5614,9 @@
           <a:lstStyle/>
           <a:p>
             <a:r>
-              <a:rPr lang="es-MX" dirty="0" smtClean="0"/>
+              <a:rPr lang="es-MX" dirty="0"/>
               <a:t>Ejemplo 2</a:t>
             </a:r>
-            <a:endParaRPr lang="es-MX" dirty="0"/>
           </a:p>
         </p:txBody>
       </p:sp>
@@ -5637,7 +5636,7 @@
           <a:lstStyle/>
           <a:p>
             <a:r>
-              <a:rPr lang="es-MX" dirty="0" smtClean="0">
+              <a:rPr lang="es-MX" dirty="0">
                 <a:hlinkClick r:id="rId2"/>
               </a:rPr>
               <a:t>Como hacemos videojuegos</a:t>
@@ -5743,7 +5742,7 @@
           <a:lstStyle/>
           <a:p>
             <a:r>
-              <a:rPr lang="es-MX" dirty="0" smtClean="0">
+              <a:rPr lang="es-MX" dirty="0">
                 <a:hlinkClick r:id="rId2"/>
               </a:rPr>
               <a:t>Somos diferentes</a:t>
@@ -5849,19 +5848,19 @@
           <a:lstStyle/>
           <a:p>
             <a:r>
-              <a:rPr lang="es-MX" dirty="0" smtClean="0">
+              <a:rPr lang="es-MX" dirty="0">
                 <a:hlinkClick r:id="rId2"/>
               </a:rPr>
               <a:t>Somos los “</a:t>
             </a:r>
             <a:r>
-              <a:rPr lang="es-MX" dirty="0" err="1" smtClean="0">
+              <a:rPr lang="es-MX" dirty="0" err="1">
                 <a:hlinkClick r:id="rId2"/>
               </a:rPr>
               <a:t>underdog</a:t>
             </a:r>
             <a:r>
-              <a:rPr lang="es-MX" dirty="0" smtClean="0">
+              <a:rPr lang="es-MX" dirty="0">
                 <a:hlinkClick r:id="rId2"/>
               </a:rPr>
               <a:t>”</a:t>
@@ -5948,10 +5947,9 @@
           <a:lstStyle/>
           <a:p>
             <a:r>
-              <a:rPr lang="es-MX" dirty="0" smtClean="0"/>
+              <a:rPr lang="es-MX" dirty="0"/>
               <a:t>Ejemplo 3</a:t>
             </a:r>
-            <a:endParaRPr lang="es-MX" dirty="0"/>
           </a:p>
         </p:txBody>
       </p:sp>
@@ -6093,10 +6091,9 @@
               <a:buNone/>
             </a:pPr>
             <a:r>
-              <a:rPr lang="es-MX" sz="2400" dirty="0" smtClean="0"/>
+              <a:rPr lang="es-MX" sz="2400" dirty="0"/>
               <a:t>Ejercicios</a:t>
             </a:r>
-            <a:endParaRPr lang="es-MX" sz="2400" dirty="0"/>
           </a:p>
         </p:txBody>
       </p:sp>
@@ -6284,10 +6281,9 @@
           <a:lstStyle/>
           <a:p>
             <a:r>
-              <a:rPr lang="es-MX" dirty="0" smtClean="0"/>
+              <a:rPr lang="es-MX" dirty="0"/>
               <a:t>Rival</a:t>
             </a:r>
-            <a:endParaRPr lang="es-MX" dirty="0"/>
           </a:p>
         </p:txBody>
       </p:sp>
@@ -6410,10 +6406,9 @@
           <a:lstStyle/>
           <a:p>
             <a:r>
-              <a:rPr lang="es-MX" dirty="0" smtClean="0"/>
+              <a:rPr lang="es-MX" dirty="0"/>
               <a:t>Rival</a:t>
             </a:r>
-            <a:endParaRPr lang="es-MX" dirty="0"/>
           </a:p>
         </p:txBody>
       </p:sp>
@@ -6596,10 +6591,9 @@
               <a:buNone/>
             </a:pPr>
             <a:r>
-              <a:rPr lang="es-MX" dirty="0" smtClean="0"/>
+              <a:rPr lang="es-MX" dirty="0"/>
               <a:t>Tareas</a:t>
             </a:r>
-            <a:endParaRPr lang="es-MX" dirty="0"/>
           </a:p>
         </p:txBody>
       </p:sp>
@@ -6708,13 +6702,6 @@
   <p:clrMapOvr>
     <a:masterClrMapping/>
   </p:clrMapOvr>
-  <p:timing>
-    <p:tnLst>
-      <p:par>
-        <p:cTn id="1" dur="indefinite" restart="never" nodeType="tmRoot"/>
-      </p:par>
-    </p:tnLst>
-  </p:timing>
 </p:sld>
 </file>
 
@@ -6737,12 +6724,12 @@
       </p:grpSpPr>
       <p:sp>
         <p:nvSpPr>
-          <p:cNvPr id="5" name="Título 4"/>
+          <p:cNvPr id="2" name="Título 1"/>
           <p:cNvSpPr>
             <a:spLocks noGrp="1"/>
           </p:cNvSpPr>
           <p:nvPr>
-            <p:ph type="ctrTitle"/>
+            <p:ph type="title"/>
           </p:nvPr>
         </p:nvSpPr>
         <p:spPr/>
@@ -6751,29 +6738,9 @@
           <a:lstStyle/>
           <a:p>
             <a:r>
-              <a:rPr lang="es-MX" dirty="0" smtClean="0"/>
-              <a:t>Presentación de 3 minutos</a:t>
+              <a:rPr lang="es-MX" dirty="0"/>
+              <a:t>Rival</a:t>
             </a:r>
-            <a:endParaRPr lang="es-MX" dirty="0"/>
-          </a:p>
-        </p:txBody>
-      </p:sp>
-      <p:sp>
-        <p:nvSpPr>
-          <p:cNvPr id="6" name="Subtítulo 5"/>
-          <p:cNvSpPr>
-            <a:spLocks noGrp="1"/>
-          </p:cNvSpPr>
-          <p:nvPr>
-            <p:ph type="subTitle" idx="1"/>
-          </p:nvPr>
-        </p:nvSpPr>
-        <p:spPr/>
-        <p:txBody>
-          <a:bodyPr/>
-          <a:lstStyle/>
-          <a:p>
-            <a:endParaRPr lang="es-MX"/>
           </a:p>
         </p:txBody>
       </p:sp>
@@ -6809,10 +6776,46 @@
           </a:p>
         </p:txBody>
       </p:sp>
+      <p:pic>
+        <p:nvPicPr>
+          <p:cNvPr id="5" name="Picture 4" descr="Icon&#10;&#10;Description automatically generated">
+            <a:extLst>
+              <a:ext uri="{FF2B5EF4-FFF2-40B4-BE49-F238E27FC236}">
+                <a16:creationId xmlns:a16="http://schemas.microsoft.com/office/drawing/2014/main" id="{DA80C2F0-D2AF-4FD6-9F11-422A41CC059A}"/>
+              </a:ext>
+            </a:extLst>
+          </p:cNvPr>
+          <p:cNvPicPr>
+            <a:picLocks noChangeAspect="1"/>
+          </p:cNvPicPr>
+          <p:nvPr/>
+        </p:nvPicPr>
+        <p:blipFill>
+          <a:blip r:embed="rId2">
+            <a:extLst>
+              <a:ext uri="{837473B0-CC2E-450A-ABE3-18F120FF3D39}">
+                <a1611:picAttrSrcUrl xmlns:a1611="http://schemas.microsoft.com/office/drawing/2016/11/main" r:id="rId3"/>
+              </a:ext>
+            </a:extLst>
+          </a:blip>
+          <a:stretch>
+            <a:fillRect/>
+          </a:stretch>
+        </p:blipFill>
+        <p:spPr>
+          <a:xfrm>
+            <a:off x="2704421" y="1691236"/>
+            <a:ext cx="1970372" cy="2542416"/>
+          </a:xfrm>
+          <a:prstGeom prst="rect">
+            <a:avLst/>
+          </a:prstGeom>
+        </p:spPr>
+      </p:pic>
     </p:spTree>
     <p:extLst>
       <p:ext uri="{BB962C8B-B14F-4D97-AF65-F5344CB8AC3E}">
-        <p14:creationId xmlns:p14="http://schemas.microsoft.com/office/powerpoint/2010/main" val="860576099"/>
+        <p14:creationId xmlns:p14="http://schemas.microsoft.com/office/powerpoint/2010/main" val="2337589560"/>
       </p:ext>
     </p:extLst>
   </p:cSld>
@@ -6841,7 +6844,13 @@
       </p:grpSpPr>
       <p:sp>
         <p:nvSpPr>
-          <p:cNvPr id="2" name="Título 1"/>
+          <p:cNvPr id="2" name="Title 1">
+            <a:extLst>
+              <a:ext uri="{FF2B5EF4-FFF2-40B4-BE49-F238E27FC236}">
+                <a16:creationId xmlns:a16="http://schemas.microsoft.com/office/drawing/2014/main" id="{EA4879C8-6A2D-4A90-8DEC-23664FA79450}"/>
+              </a:ext>
+            </a:extLst>
+          </p:cNvPr>
           <p:cNvSpPr>
             <a:spLocks noGrp="1"/>
           </p:cNvSpPr>
@@ -6854,22 +6863,24 @@
           <a:bodyPr/>
           <a:lstStyle/>
           <a:p>
-            <a:r>
-              <a:rPr lang="es-MX" dirty="0" smtClean="0"/>
-              <a:t>3 Grandes Elementos</a:t>
-            </a:r>
-            <a:endParaRPr lang="es-MX" dirty="0"/>
-          </a:p>
-        </p:txBody>
-      </p:sp>
-      <p:sp>
-        <p:nvSpPr>
-          <p:cNvPr id="3" name="Marcador de texto 2"/>
+            <a:endParaRPr lang="en-US"/>
+          </a:p>
+        </p:txBody>
+      </p:sp>
+      <p:sp>
+        <p:nvSpPr>
+          <p:cNvPr id="4" name="Slide Number Placeholder 3">
+            <a:extLst>
+              <a:ext uri="{FF2B5EF4-FFF2-40B4-BE49-F238E27FC236}">
+                <a16:creationId xmlns:a16="http://schemas.microsoft.com/office/drawing/2014/main" id="{4A34A377-61D2-4BDE-86F9-7C138BED9FCD}"/>
+              </a:ext>
+            </a:extLst>
+          </p:cNvPr>
           <p:cNvSpPr>
             <a:spLocks noGrp="1"/>
           </p:cNvSpPr>
           <p:nvPr>
-            <p:ph type="body" idx="1"/>
+            <p:ph type="sldNum" idx="12"/>
           </p:nvPr>
         </p:nvSpPr>
         <p:spPr/>
@@ -6877,41 +6888,6 @@
           <a:bodyPr/>
           <a:lstStyle/>
           <a:p>
-            <a:r>
-              <a:rPr lang="es-MX" dirty="0" smtClean="0"/>
-              <a:t>Villano (Problema)</a:t>
-            </a:r>
-          </a:p>
-          <a:p>
-            <a:r>
-              <a:rPr lang="es-MX" dirty="0" smtClean="0"/>
-              <a:t>El Contraste, y como la solución arregla todo</a:t>
-            </a:r>
-          </a:p>
-          <a:p>
-            <a:r>
-              <a:rPr lang="es-MX" sz="3200" b="1" dirty="0" smtClean="0"/>
-              <a:t>Tiempo</a:t>
-            </a:r>
-            <a:endParaRPr lang="es-MX" b="1" dirty="0"/>
-          </a:p>
-        </p:txBody>
-      </p:sp>
-      <p:sp>
-        <p:nvSpPr>
-          <p:cNvPr id="4" name="Marcador de número de diapositiva 3"/>
-          <p:cNvSpPr>
-            <a:spLocks noGrp="1"/>
-          </p:cNvSpPr>
-          <p:nvPr>
-            <p:ph type="sldNum" idx="12"/>
-          </p:nvPr>
-        </p:nvSpPr>
-        <p:spPr/>
-        <p:txBody>
-          <a:bodyPr/>
-          <a:lstStyle/>
-          <a:p>
             <a:pPr marL="0" lvl="0" indent="0">
               <a:spcBef>
                 <a:spcPts val="0"/>
@@ -6922,17 +6898,53 @@
               <a:buNone/>
             </a:pPr>
             <a:fld id="{00000000-1234-1234-1234-123412341234}" type="slidenum">
-              <a:rPr lang="es-MX" smtClean="0"/>
+              <a:rPr lang="en" smtClean="0"/>
               <a:t>21</a:t>
             </a:fld>
-            <a:endParaRPr lang="es-MX"/>
-          </a:p>
-        </p:txBody>
-      </p:sp>
+            <a:endParaRPr lang="en"/>
+          </a:p>
+        </p:txBody>
+      </p:sp>
+      <p:pic>
+        <p:nvPicPr>
+          <p:cNvPr id="6" name="Picture 5" descr="Text&#10;&#10;Description automatically generated with medium confidence">
+            <a:extLst>
+              <a:ext uri="{FF2B5EF4-FFF2-40B4-BE49-F238E27FC236}">
+                <a16:creationId xmlns:a16="http://schemas.microsoft.com/office/drawing/2014/main" id="{F59D6A11-76F3-4B1E-94D5-49E04A54B06F}"/>
+              </a:ext>
+            </a:extLst>
+          </p:cNvPr>
+          <p:cNvPicPr>
+            <a:picLocks noChangeAspect="1"/>
+          </p:cNvPicPr>
+          <p:nvPr/>
+        </p:nvPicPr>
+        <p:blipFill>
+          <a:blip r:embed="rId2">
+            <a:extLst>
+              <a:ext uri="{837473B0-CC2E-450A-ABE3-18F120FF3D39}">
+                <a1611:picAttrSrcUrl xmlns:a1611="http://schemas.microsoft.com/office/drawing/2016/11/main" r:id="rId3"/>
+              </a:ext>
+            </a:extLst>
+          </a:blip>
+          <a:stretch>
+            <a:fillRect/>
+          </a:stretch>
+        </p:blipFill>
+        <p:spPr>
+          <a:xfrm>
+            <a:off x="2524716" y="1812465"/>
+            <a:ext cx="4166332" cy="2176908"/>
+          </a:xfrm>
+          <a:prstGeom prst="rect">
+            <a:avLst/>
+          </a:prstGeom>
+        </p:spPr>
+      </p:pic>
     </p:spTree>
     <p:extLst>
       <p:ext uri="{BB962C8B-B14F-4D97-AF65-F5344CB8AC3E}">
-        <p14:creationId xmlns:p14="http://schemas.microsoft.com/office/powerpoint/2010/main" val="2158058104"/>
+        <p14:creationId xmlns:p14="http://schemas.microsoft.com/office/powerpoint/2010/main" val="1077789031"/>
       </p:ext>
     </p:extLst>
   </p:cSld>
@@ -6961,7 +6973,13 @@
       </p:grpSpPr>
       <p:sp>
         <p:nvSpPr>
-          <p:cNvPr id="2" name="Título 1"/>
+          <p:cNvPr id="2" name="Title 1">
+            <a:extLst>
+              <a:ext uri="{FF2B5EF4-FFF2-40B4-BE49-F238E27FC236}">
+                <a16:creationId xmlns:a16="http://schemas.microsoft.com/office/drawing/2014/main" id="{7C33CB3D-E1AC-4F3B-9605-DE227EB630D1}"/>
+              </a:ext>
+            </a:extLst>
+          </p:cNvPr>
           <p:cNvSpPr>
             <a:spLocks noGrp="1"/>
           </p:cNvSpPr>
@@ -6974,17 +6992,19 @@
           <a:bodyPr/>
           <a:lstStyle/>
           <a:p>
-            <a:r>
-              <a:rPr lang="es-MX" dirty="0" smtClean="0"/>
-              <a:t>Pregunta esenciales</a:t>
-            </a:r>
-            <a:endParaRPr lang="es-MX" dirty="0"/>
-          </a:p>
-        </p:txBody>
-      </p:sp>
-      <p:sp>
-        <p:nvSpPr>
-          <p:cNvPr id="3" name="Marcador de texto 2"/>
+            <a:endParaRPr lang="en-US"/>
+          </a:p>
+        </p:txBody>
+      </p:sp>
+      <p:sp>
+        <p:nvSpPr>
+          <p:cNvPr id="3" name="Text Placeholder 2">
+            <a:extLst>
+              <a:ext uri="{FF2B5EF4-FFF2-40B4-BE49-F238E27FC236}">
+                <a16:creationId xmlns:a16="http://schemas.microsoft.com/office/drawing/2014/main" id="{D3BFE6F8-C7C7-47D0-A60F-A606A5F6379B}"/>
+              </a:ext>
+            </a:extLst>
+          </p:cNvPr>
           <p:cNvSpPr>
             <a:spLocks noGrp="1"/>
           </p:cNvSpPr>
@@ -6997,42 +7017,19 @@
           <a:bodyPr/>
           <a:lstStyle/>
           <a:p>
-            <a:r>
-              <a:rPr lang="es-MX" sz="2000" dirty="0" smtClean="0"/>
-              <a:t>Quién es la audiencia?</a:t>
-            </a:r>
-          </a:p>
-          <a:p>
-            <a:pPr lvl="1"/>
-            <a:r>
-              <a:rPr lang="es-MX" sz="2000" dirty="0" smtClean="0"/>
-              <a:t>Contexto</a:t>
-            </a:r>
-          </a:p>
-          <a:p>
-            <a:r>
-              <a:rPr lang="es-MX" sz="2000" dirty="0" smtClean="0"/>
-              <a:t>La audiencia esta familiarizada con los datos?</a:t>
-            </a:r>
-          </a:p>
-          <a:p>
-            <a:r>
-              <a:rPr lang="es-MX" sz="2000" b="1" dirty="0" smtClean="0"/>
-              <a:t>Cual sería un escenario exitoso de la presentación?</a:t>
-            </a:r>
-          </a:p>
-          <a:p>
-            <a:r>
-              <a:rPr lang="es-MX" sz="2000" b="1" dirty="0" smtClean="0"/>
-              <a:t>Si tuvieras que reducir la presentación a una oración….cual sería?</a:t>
-            </a:r>
-            <a:endParaRPr lang="es-MX" sz="2000" b="1" dirty="0"/>
-          </a:p>
-        </p:txBody>
-      </p:sp>
-      <p:sp>
-        <p:nvSpPr>
-          <p:cNvPr id="4" name="Marcador de número de diapositiva 3"/>
+            <a:endParaRPr lang="en-US"/>
+          </a:p>
+        </p:txBody>
+      </p:sp>
+      <p:sp>
+        <p:nvSpPr>
+          <p:cNvPr id="4" name="Slide Number Placeholder 3">
+            <a:extLst>
+              <a:ext uri="{FF2B5EF4-FFF2-40B4-BE49-F238E27FC236}">
+                <a16:creationId xmlns:a16="http://schemas.microsoft.com/office/drawing/2014/main" id="{F306B446-F432-4DD6-82DD-66520E7727F8}"/>
+              </a:ext>
+            </a:extLst>
+          </p:cNvPr>
           <p:cNvSpPr>
             <a:spLocks noGrp="1"/>
           </p:cNvSpPr>
@@ -7055,17 +7052,17 @@
               <a:buNone/>
             </a:pPr>
             <a:fld id="{00000000-1234-1234-1234-123412341234}" type="slidenum">
-              <a:rPr lang="es-MX" smtClean="0"/>
+              <a:rPr lang="en" smtClean="0"/>
               <a:t>22</a:t>
             </a:fld>
-            <a:endParaRPr lang="es-MX"/>
+            <a:endParaRPr lang="en"/>
           </a:p>
         </p:txBody>
       </p:sp>
     </p:spTree>
     <p:extLst>
       <p:ext uri="{BB962C8B-B14F-4D97-AF65-F5344CB8AC3E}">
-        <p14:creationId xmlns:p14="http://schemas.microsoft.com/office/powerpoint/2010/main" val="3515260083"/>
+        <p14:creationId xmlns:p14="http://schemas.microsoft.com/office/powerpoint/2010/main" val="700301577"/>
       </p:ext>
     </p:extLst>
   </p:cSld>
@@ -7094,12 +7091,12 @@
       </p:grpSpPr>
       <p:sp>
         <p:nvSpPr>
-          <p:cNvPr id="2" name="Título 1"/>
+          <p:cNvPr id="5" name="Título 4"/>
           <p:cNvSpPr>
             <a:spLocks noGrp="1"/>
           </p:cNvSpPr>
           <p:nvPr>
-            <p:ph type="title"/>
+            <p:ph type="ctrTitle"/>
           </p:nvPr>
         </p:nvSpPr>
         <p:spPr/>
@@ -7108,21 +7105,20 @@
           <a:lstStyle/>
           <a:p>
             <a:r>
-              <a:rPr lang="es-MX" dirty="0" smtClean="0"/>
-              <a:t>La historia de 3 minutos</a:t>
+              <a:rPr lang="es-MX" dirty="0"/>
+              <a:t>Presentación de 3 minutos</a:t>
             </a:r>
-            <a:endParaRPr lang="es-MX" dirty="0"/>
-          </a:p>
-        </p:txBody>
-      </p:sp>
-      <p:sp>
-        <p:nvSpPr>
-          <p:cNvPr id="3" name="Marcador de texto 2"/>
+          </a:p>
+        </p:txBody>
+      </p:sp>
+      <p:sp>
+        <p:nvSpPr>
+          <p:cNvPr id="6" name="Subtítulo 5"/>
           <p:cNvSpPr>
             <a:spLocks noGrp="1"/>
           </p:cNvSpPr>
           <p:nvPr>
-            <p:ph type="body" idx="1"/>
+            <p:ph type="subTitle" idx="1"/>
           </p:nvPr>
         </p:nvSpPr>
         <p:spPr/>
@@ -7130,31 +7126,7 @@
           <a:bodyPr/>
           <a:lstStyle/>
           <a:p>
-            <a:r>
-              <a:rPr lang="es-MX" dirty="0" smtClean="0"/>
-              <a:t>Tienen que ser capaces de quitar información innecesaria, y llevar el “y entonces….” (so-</a:t>
-            </a:r>
-            <a:r>
-              <a:rPr lang="es-MX" dirty="0" err="1" smtClean="0"/>
-              <a:t>what</a:t>
-            </a:r>
-            <a:r>
-              <a:rPr lang="es-MX" dirty="0" smtClean="0"/>
-              <a:t>) a una sola oración.</a:t>
-            </a:r>
-          </a:p>
-          <a:p>
-            <a:r>
-              <a:rPr lang="es-MX" dirty="0" smtClean="0"/>
-              <a:t>“Hubiera escrito una carta más corta pero no me dio tiempo”</a:t>
-            </a:r>
-          </a:p>
-          <a:p>
-            <a:r>
-              <a:rPr lang="es-MX" dirty="0" smtClean="0"/>
-              <a:t>Blaise Pascal</a:t>
-            </a:r>
-            <a:endParaRPr lang="es-MX" dirty="0"/>
+            <a:endParaRPr lang="es-MX"/>
           </a:p>
         </p:txBody>
       </p:sp>
@@ -7193,7 +7165,7 @@
     </p:spTree>
     <p:extLst>
       <p:ext uri="{BB962C8B-B14F-4D97-AF65-F5344CB8AC3E}">
-        <p14:creationId xmlns:p14="http://schemas.microsoft.com/office/powerpoint/2010/main" val="1309766088"/>
+        <p14:creationId xmlns:p14="http://schemas.microsoft.com/office/powerpoint/2010/main" val="860576099"/>
       </p:ext>
     </p:extLst>
   </p:cSld>
@@ -7236,10 +7208,9 @@
           <a:lstStyle/>
           <a:p>
             <a:r>
-              <a:rPr lang="es-MX" dirty="0" smtClean="0"/>
-              <a:t>3 componentes en 3 minutos</a:t>
+              <a:rPr lang="es-MX" dirty="0"/>
+              <a:t>3 Grandes Elementos</a:t>
             </a:r>
-            <a:endParaRPr lang="es-MX" dirty="0"/>
           </a:p>
         </p:txBody>
       </p:sp>
@@ -7259,22 +7230,22 @@
           <a:lstStyle/>
           <a:p>
             <a:r>
-              <a:rPr lang="es-MX" dirty="0" smtClean="0"/>
-              <a:t>Debe articular tu punto de vista</a:t>
+              <a:rPr lang="es-MX" dirty="0"/>
+              <a:t>Villano (Problema)</a:t>
             </a:r>
           </a:p>
           <a:p>
             <a:r>
-              <a:rPr lang="es-MX" dirty="0" smtClean="0"/>
-              <a:t>Debe comunicar lo que esta en juego</a:t>
+              <a:rPr lang="es-MX" dirty="0"/>
+              <a:t>El Contraste, y como la solución arregla todo</a:t>
             </a:r>
           </a:p>
           <a:p>
             <a:r>
-              <a:rPr lang="es-MX" dirty="0" smtClean="0"/>
-              <a:t>Debe ser una oración completa.</a:t>
+              <a:rPr lang="es-MX" sz="3200" b="1" dirty="0"/>
+              <a:t>Tiempo</a:t>
             </a:r>
-            <a:endParaRPr lang="es-MX" dirty="0"/>
+            <a:endParaRPr lang="es-MX" b="1" dirty="0"/>
           </a:p>
         </p:txBody>
       </p:sp>
@@ -7313,7 +7284,7 @@
     </p:spTree>
     <p:extLst>
       <p:ext uri="{BB962C8B-B14F-4D97-AF65-F5344CB8AC3E}">
-        <p14:creationId xmlns:p14="http://schemas.microsoft.com/office/powerpoint/2010/main" val="3620416528"/>
+        <p14:creationId xmlns:p14="http://schemas.microsoft.com/office/powerpoint/2010/main" val="2158058104"/>
       </p:ext>
     </p:extLst>
   </p:cSld>
@@ -7342,12 +7313,12 @@
       </p:grpSpPr>
       <p:sp>
         <p:nvSpPr>
-          <p:cNvPr id="5" name="Título 4"/>
+          <p:cNvPr id="2" name="Título 1"/>
           <p:cNvSpPr>
             <a:spLocks noGrp="1"/>
           </p:cNvSpPr>
           <p:nvPr>
-            <p:ph type="ctrTitle"/>
+            <p:ph type="title"/>
           </p:nvPr>
         </p:nvSpPr>
         <p:spPr/>
@@ -7356,21 +7327,20 @@
           <a:lstStyle/>
           <a:p>
             <a:r>
-              <a:rPr lang="es-MX" dirty="0" smtClean="0"/>
-              <a:t>Como hacerlo en Python</a:t>
+              <a:rPr lang="es-MX" dirty="0"/>
+              <a:t>Pregunta esenciales</a:t>
             </a:r>
-            <a:endParaRPr lang="es-MX" dirty="0"/>
-          </a:p>
-        </p:txBody>
-      </p:sp>
-      <p:sp>
-        <p:nvSpPr>
-          <p:cNvPr id="6" name="Subtítulo 5"/>
+          </a:p>
+        </p:txBody>
+      </p:sp>
+      <p:sp>
+        <p:nvSpPr>
+          <p:cNvPr id="3" name="Marcador de texto 2"/>
           <p:cNvSpPr>
             <a:spLocks noGrp="1"/>
           </p:cNvSpPr>
           <p:nvPr>
-            <p:ph type="subTitle" idx="1"/>
+            <p:ph type="body" idx="1"/>
           </p:nvPr>
         </p:nvSpPr>
         <p:spPr/>
@@ -7378,7 +7348,35 @@
           <a:bodyPr/>
           <a:lstStyle/>
           <a:p>
-            <a:endParaRPr lang="es-MX"/>
+            <a:r>
+              <a:rPr lang="es-MX" sz="2000" dirty="0"/>
+              <a:t>Quién es la audiencia?</a:t>
+            </a:r>
+          </a:p>
+          <a:p>
+            <a:pPr lvl="1"/>
+            <a:r>
+              <a:rPr lang="es-MX" sz="2000" dirty="0"/>
+              <a:t>Contexto</a:t>
+            </a:r>
+          </a:p>
+          <a:p>
+            <a:r>
+              <a:rPr lang="es-MX" sz="2000" dirty="0"/>
+              <a:t>La audiencia esta familiarizada con los datos?</a:t>
+            </a:r>
+          </a:p>
+          <a:p>
+            <a:r>
+              <a:rPr lang="es-MX" sz="2000" b="1" dirty="0"/>
+              <a:t>Cual sería un escenario exitoso de la presentación?</a:t>
+            </a:r>
+          </a:p>
+          <a:p>
+            <a:r>
+              <a:rPr lang="es-MX" sz="2000" b="1" dirty="0"/>
+              <a:t>Si tuvieras que reducir la presentación a una oración….cual sería?</a:t>
+            </a:r>
           </a:p>
         </p:txBody>
       </p:sp>
@@ -7417,7 +7415,7 @@
     </p:spTree>
     <p:extLst>
       <p:ext uri="{BB962C8B-B14F-4D97-AF65-F5344CB8AC3E}">
-        <p14:creationId xmlns:p14="http://schemas.microsoft.com/office/powerpoint/2010/main" val="3755034915"/>
+        <p14:creationId xmlns:p14="http://schemas.microsoft.com/office/powerpoint/2010/main" val="3515260083"/>
       </p:ext>
     </p:extLst>
   </p:cSld>
@@ -7446,11 +7444,358 @@
       </p:grpSpPr>
       <p:sp>
         <p:nvSpPr>
+          <p:cNvPr id="2" name="Título 1"/>
+          <p:cNvSpPr>
+            <a:spLocks noGrp="1"/>
+          </p:cNvSpPr>
+          <p:nvPr>
+            <p:ph type="title"/>
+          </p:nvPr>
+        </p:nvSpPr>
+        <p:spPr/>
+        <p:txBody>
+          <a:bodyPr/>
+          <a:lstStyle/>
+          <a:p>
+            <a:r>
+              <a:rPr lang="es-MX" dirty="0"/>
+              <a:t>La historia de 3 minutos</a:t>
+            </a:r>
+          </a:p>
+        </p:txBody>
+      </p:sp>
+      <p:sp>
+        <p:nvSpPr>
+          <p:cNvPr id="3" name="Marcador de texto 2"/>
+          <p:cNvSpPr>
+            <a:spLocks noGrp="1"/>
+          </p:cNvSpPr>
+          <p:nvPr>
+            <p:ph type="body" idx="1"/>
+          </p:nvPr>
+        </p:nvSpPr>
+        <p:spPr/>
+        <p:txBody>
+          <a:bodyPr/>
+          <a:lstStyle/>
+          <a:p>
+            <a:r>
+              <a:rPr lang="es-MX" dirty="0"/>
+              <a:t>Tienen que ser capaces de quitar información innecesaria, y llevar el “y entonces….” (so-</a:t>
+            </a:r>
+            <a:r>
+              <a:rPr lang="es-MX" dirty="0" err="1"/>
+              <a:t>what</a:t>
+            </a:r>
+            <a:r>
+              <a:rPr lang="es-MX" dirty="0"/>
+              <a:t>) a una sola oración.</a:t>
+            </a:r>
+          </a:p>
+          <a:p>
+            <a:r>
+              <a:rPr lang="es-MX" dirty="0"/>
+              <a:t>“Hubiera escrito una carta más corta pero no me dio tiempo”</a:t>
+            </a:r>
+          </a:p>
+          <a:p>
+            <a:r>
+              <a:rPr lang="es-MX" dirty="0"/>
+              <a:t>Blaise Pascal</a:t>
+            </a:r>
+          </a:p>
+        </p:txBody>
+      </p:sp>
+      <p:sp>
+        <p:nvSpPr>
+          <p:cNvPr id="4" name="Marcador de número de diapositiva 3"/>
+          <p:cNvSpPr>
+            <a:spLocks noGrp="1"/>
+          </p:cNvSpPr>
+          <p:nvPr>
+            <p:ph type="sldNum" idx="12"/>
+          </p:nvPr>
+        </p:nvSpPr>
+        <p:spPr/>
+        <p:txBody>
+          <a:bodyPr/>
+          <a:lstStyle/>
+          <a:p>
+            <a:pPr marL="0" lvl="0" indent="0">
+              <a:spcBef>
+                <a:spcPts val="0"/>
+              </a:spcBef>
+              <a:spcAft>
+                <a:spcPts val="0"/>
+              </a:spcAft>
+              <a:buNone/>
+            </a:pPr>
+            <a:fld id="{00000000-1234-1234-1234-123412341234}" type="slidenum">
+              <a:rPr lang="es-MX" smtClean="0"/>
+              <a:t>26</a:t>
+            </a:fld>
+            <a:endParaRPr lang="es-MX"/>
+          </a:p>
+        </p:txBody>
+      </p:sp>
+    </p:spTree>
+    <p:extLst>
+      <p:ext uri="{BB962C8B-B14F-4D97-AF65-F5344CB8AC3E}">
+        <p14:creationId xmlns:p14="http://schemas.microsoft.com/office/powerpoint/2010/main" val="1309766088"/>
+      </p:ext>
+    </p:extLst>
+  </p:cSld>
+  <p:clrMapOvr>
+    <a:masterClrMapping/>
+  </p:clrMapOvr>
+</p:sld>
+</file>
+
+<file path=ppt/slides/slide27.xml><?xml version="1.0" encoding="utf-8"?>
+<p:sld xmlns:a="http://schemas.openxmlformats.org/drawingml/2006/main" xmlns:r="http://schemas.openxmlformats.org/officeDocument/2006/relationships" xmlns:p="http://schemas.openxmlformats.org/presentationml/2006/main">
+  <p:cSld>
+    <p:spTree>
+      <p:nvGrpSpPr>
+        <p:cNvPr id="1" name=""/>
+        <p:cNvGrpSpPr/>
+        <p:nvPr/>
+      </p:nvGrpSpPr>
+      <p:grpSpPr>
+        <a:xfrm>
+          <a:off x="0" y="0"/>
+          <a:ext cx="0" cy="0"/>
+          <a:chOff x="0" y="0"/>
+          <a:chExt cx="0" cy="0"/>
+        </a:xfrm>
+      </p:grpSpPr>
+      <p:sp>
+        <p:nvSpPr>
+          <p:cNvPr id="2" name="Título 1"/>
+          <p:cNvSpPr>
+            <a:spLocks noGrp="1"/>
+          </p:cNvSpPr>
+          <p:nvPr>
+            <p:ph type="title"/>
+          </p:nvPr>
+        </p:nvSpPr>
+        <p:spPr/>
+        <p:txBody>
+          <a:bodyPr/>
+          <a:lstStyle/>
+          <a:p>
+            <a:r>
+              <a:rPr lang="es-MX" dirty="0"/>
+              <a:t>3 componentes en 3 minutos</a:t>
+            </a:r>
+          </a:p>
+        </p:txBody>
+      </p:sp>
+      <p:sp>
+        <p:nvSpPr>
+          <p:cNvPr id="3" name="Marcador de texto 2"/>
+          <p:cNvSpPr>
+            <a:spLocks noGrp="1"/>
+          </p:cNvSpPr>
+          <p:nvPr>
+            <p:ph type="body" idx="1"/>
+          </p:nvPr>
+        </p:nvSpPr>
+        <p:spPr/>
+        <p:txBody>
+          <a:bodyPr/>
+          <a:lstStyle/>
+          <a:p>
+            <a:r>
+              <a:rPr lang="es-MX" dirty="0"/>
+              <a:t>Debe articular tu punto de vista</a:t>
+            </a:r>
+          </a:p>
+          <a:p>
+            <a:r>
+              <a:rPr lang="es-MX" dirty="0"/>
+              <a:t>Debe comunicar lo que esta en juego</a:t>
+            </a:r>
+          </a:p>
+          <a:p>
+            <a:r>
+              <a:rPr lang="es-MX" dirty="0"/>
+              <a:t>Debe ser una oración completa.</a:t>
+            </a:r>
+          </a:p>
+        </p:txBody>
+      </p:sp>
+      <p:sp>
+        <p:nvSpPr>
+          <p:cNvPr id="4" name="Marcador de número de diapositiva 3"/>
+          <p:cNvSpPr>
+            <a:spLocks noGrp="1"/>
+          </p:cNvSpPr>
+          <p:nvPr>
+            <p:ph type="sldNum" idx="12"/>
+          </p:nvPr>
+        </p:nvSpPr>
+        <p:spPr/>
+        <p:txBody>
+          <a:bodyPr/>
+          <a:lstStyle/>
+          <a:p>
+            <a:pPr marL="0" lvl="0" indent="0">
+              <a:spcBef>
+                <a:spcPts val="0"/>
+              </a:spcBef>
+              <a:spcAft>
+                <a:spcPts val="0"/>
+              </a:spcAft>
+              <a:buNone/>
+            </a:pPr>
+            <a:fld id="{00000000-1234-1234-1234-123412341234}" type="slidenum">
+              <a:rPr lang="es-MX" smtClean="0"/>
+              <a:t>27</a:t>
+            </a:fld>
+            <a:endParaRPr lang="es-MX"/>
+          </a:p>
+        </p:txBody>
+      </p:sp>
+    </p:spTree>
+    <p:extLst>
+      <p:ext uri="{BB962C8B-B14F-4D97-AF65-F5344CB8AC3E}">
+        <p14:creationId xmlns:p14="http://schemas.microsoft.com/office/powerpoint/2010/main" val="3620416528"/>
+      </p:ext>
+    </p:extLst>
+  </p:cSld>
+  <p:clrMapOvr>
+    <a:masterClrMapping/>
+  </p:clrMapOvr>
+</p:sld>
+</file>
+
+<file path=ppt/slides/slide28.xml><?xml version="1.0" encoding="utf-8"?>
+<p:sld xmlns:a="http://schemas.openxmlformats.org/drawingml/2006/main" xmlns:r="http://schemas.openxmlformats.org/officeDocument/2006/relationships" xmlns:p="http://schemas.openxmlformats.org/presentationml/2006/main">
+  <p:cSld>
+    <p:spTree>
+      <p:nvGrpSpPr>
+        <p:cNvPr id="1" name=""/>
+        <p:cNvGrpSpPr/>
+        <p:nvPr/>
+      </p:nvGrpSpPr>
+      <p:grpSpPr>
+        <a:xfrm>
+          <a:off x="0" y="0"/>
+          <a:ext cx="0" cy="0"/>
+          <a:chOff x="0" y="0"/>
+          <a:chExt cx="0" cy="0"/>
+        </a:xfrm>
+      </p:grpSpPr>
+      <p:sp>
+        <p:nvSpPr>
           <p:cNvPr id="5" name="Título 4"/>
           <p:cNvSpPr>
             <a:spLocks noGrp="1"/>
           </p:cNvSpPr>
           <p:nvPr>
+            <p:ph type="ctrTitle"/>
+          </p:nvPr>
+        </p:nvSpPr>
+        <p:spPr/>
+        <p:txBody>
+          <a:bodyPr/>
+          <a:lstStyle/>
+          <a:p>
+            <a:r>
+              <a:rPr lang="es-MX" dirty="0"/>
+              <a:t>Como hacerlo en Python</a:t>
+            </a:r>
+          </a:p>
+        </p:txBody>
+      </p:sp>
+      <p:sp>
+        <p:nvSpPr>
+          <p:cNvPr id="6" name="Subtítulo 5"/>
+          <p:cNvSpPr>
+            <a:spLocks noGrp="1"/>
+          </p:cNvSpPr>
+          <p:nvPr>
+            <p:ph type="subTitle" idx="1"/>
+          </p:nvPr>
+        </p:nvSpPr>
+        <p:spPr/>
+        <p:txBody>
+          <a:bodyPr/>
+          <a:lstStyle/>
+          <a:p>
+            <a:endParaRPr lang="es-MX"/>
+          </a:p>
+        </p:txBody>
+      </p:sp>
+      <p:sp>
+        <p:nvSpPr>
+          <p:cNvPr id="4" name="Marcador de número de diapositiva 3"/>
+          <p:cNvSpPr>
+            <a:spLocks noGrp="1"/>
+          </p:cNvSpPr>
+          <p:nvPr>
+            <p:ph type="sldNum" idx="12"/>
+          </p:nvPr>
+        </p:nvSpPr>
+        <p:spPr/>
+        <p:txBody>
+          <a:bodyPr/>
+          <a:lstStyle/>
+          <a:p>
+            <a:pPr marL="0" lvl="0" indent="0">
+              <a:spcBef>
+                <a:spcPts val="0"/>
+              </a:spcBef>
+              <a:spcAft>
+                <a:spcPts val="0"/>
+              </a:spcAft>
+              <a:buNone/>
+            </a:pPr>
+            <a:fld id="{00000000-1234-1234-1234-123412341234}" type="slidenum">
+              <a:rPr lang="es-MX" smtClean="0"/>
+              <a:t>28</a:t>
+            </a:fld>
+            <a:endParaRPr lang="es-MX"/>
+          </a:p>
+        </p:txBody>
+      </p:sp>
+    </p:spTree>
+    <p:extLst>
+      <p:ext uri="{BB962C8B-B14F-4D97-AF65-F5344CB8AC3E}">
+        <p14:creationId xmlns:p14="http://schemas.microsoft.com/office/powerpoint/2010/main" val="3755034915"/>
+      </p:ext>
+    </p:extLst>
+  </p:cSld>
+  <p:clrMapOvr>
+    <a:masterClrMapping/>
+  </p:clrMapOvr>
+</p:sld>
+</file>
+
+<file path=ppt/slides/slide29.xml><?xml version="1.0" encoding="utf-8"?>
+<p:sld xmlns:a="http://schemas.openxmlformats.org/drawingml/2006/main" xmlns:r="http://schemas.openxmlformats.org/officeDocument/2006/relationships" xmlns:p="http://schemas.openxmlformats.org/presentationml/2006/main">
+  <p:cSld>
+    <p:spTree>
+      <p:nvGrpSpPr>
+        <p:cNvPr id="1" name=""/>
+        <p:cNvGrpSpPr/>
+        <p:nvPr/>
+      </p:nvGrpSpPr>
+      <p:grpSpPr>
+        <a:xfrm>
+          <a:off x="0" y="0"/>
+          <a:ext cx="0" cy="0"/>
+          <a:chOff x="0" y="0"/>
+          <a:chExt cx="0" cy="0"/>
+        </a:xfrm>
+      </p:grpSpPr>
+      <p:sp>
+        <p:nvSpPr>
+          <p:cNvPr id="5" name="Título 4"/>
+          <p:cNvSpPr>
+            <a:spLocks noGrp="1"/>
+          </p:cNvSpPr>
+          <p:nvPr>
             <p:ph type="title"/>
           </p:nvPr>
         </p:nvSpPr>
@@ -7479,7 +7824,7 @@
           <a:lstStyle/>
           <a:p>
             <a:r>
-              <a:rPr lang="es-MX" dirty="0" smtClean="0">
+              <a:rPr lang="es-MX" dirty="0">
                 <a:hlinkClick r:id="rId2"/>
               </a:rPr>
               <a:t>Cuadernos de Python</a:t>
@@ -7514,7 +7859,7 @@
             </a:pPr>
             <a:fld id="{00000000-1234-1234-1234-123412341234}" type="slidenum">
               <a:rPr lang="es-MX" smtClean="0"/>
-              <a:t>26</a:t>
+              <a:t>29</a:t>
             </a:fld>
             <a:endParaRPr lang="es-MX"/>
           </a:p>
@@ -7566,10 +7911,9 @@
           <a:lstStyle/>
           <a:p>
             <a:r>
-              <a:rPr lang="es-MX" dirty="0" smtClean="0"/>
+              <a:rPr lang="es-MX" dirty="0"/>
               <a:t>Tarea 2</a:t>
             </a:r>
-            <a:endParaRPr lang="es-MX" dirty="0"/>
           </a:p>
         </p:txBody>
       </p:sp>
@@ -7594,64 +7938,64 @@
           <a:lstStyle/>
           <a:p>
             <a:r>
-              <a:rPr lang="es-MX" dirty="0" smtClean="0"/>
+              <a:rPr lang="es-MX" dirty="0"/>
               <a:t>Leer:</a:t>
             </a:r>
           </a:p>
           <a:p>
             <a:pPr lvl="1"/>
             <a:r>
-              <a:rPr lang="es-MX" dirty="0" smtClean="0">
+              <a:rPr lang="es-MX" dirty="0">
                 <a:hlinkClick r:id="rId2"/>
               </a:rPr>
               <a:t>Data </a:t>
             </a:r>
             <a:r>
-              <a:rPr lang="es-MX" dirty="0" err="1" smtClean="0">
+              <a:rPr lang="es-MX" dirty="0" err="1">
                 <a:hlinkClick r:id="rId2"/>
               </a:rPr>
               <a:t>Visualization</a:t>
             </a:r>
             <a:r>
-              <a:rPr lang="es-MX" dirty="0" smtClean="0">
+              <a:rPr lang="es-MX" dirty="0">
                 <a:hlinkClick r:id="rId2"/>
               </a:rPr>
               <a:t> </a:t>
             </a:r>
             <a:r>
-              <a:rPr lang="es-MX" dirty="0" err="1" smtClean="0">
+              <a:rPr lang="es-MX" dirty="0" err="1">
                 <a:hlinkClick r:id="rId2"/>
               </a:rPr>
               <a:t>for</a:t>
             </a:r>
             <a:r>
-              <a:rPr lang="es-MX" dirty="0" smtClean="0">
+              <a:rPr lang="es-MX" dirty="0">
                 <a:hlinkClick r:id="rId2"/>
               </a:rPr>
               <a:t> Human </a:t>
             </a:r>
             <a:r>
-              <a:rPr lang="es-MX" dirty="0" err="1" smtClean="0">
+              <a:rPr lang="es-MX" dirty="0" err="1">
                 <a:hlinkClick r:id="rId2"/>
               </a:rPr>
               <a:t>Perception</a:t>
             </a:r>
-            <a:endParaRPr lang="es-MX" dirty="0" smtClean="0"/>
-          </a:p>
-          <a:p>
             <a:endParaRPr lang="es-MX" dirty="0"/>
           </a:p>
           <a:p>
+            <a:endParaRPr lang="es-MX" dirty="0"/>
+          </a:p>
+          <a:p>
             <a:r>
-              <a:rPr lang="es-MX" dirty="0" smtClean="0"/>
+              <a:rPr lang="es-MX" dirty="0"/>
               <a:t>Hacer un reporte (1 pagina, </a:t>
             </a:r>
             <a:r>
-              <a:rPr lang="es-MX" dirty="0" err="1" smtClean="0"/>
+              <a:rPr lang="es-MX" dirty="0" err="1"/>
               <a:t>max</a:t>
             </a:r>
             <a:r>
-              <a:rPr lang="es-MX" dirty="0" smtClean="0"/>
+              <a:rPr lang="es-MX" dirty="0"/>
               <a:t>)</a:t>
             </a:r>
           </a:p>
@@ -7699,13 +8043,6 @@
   <p:clrMapOvr>
     <a:masterClrMapping/>
   </p:clrMapOvr>
-  <p:timing>
-    <p:tnLst>
-      <p:par>
-        <p:cTn id="1" dur="indefinite" restart="never" nodeType="tmRoot"/>
-      </p:par>
-    </p:tnLst>
-  </p:timing>
 </p:sld>
 </file>
 
@@ -7761,10 +8098,9 @@
               <a:buNone/>
             </a:pPr>
             <a:r>
-              <a:rPr lang="es-MX" sz="2400" dirty="0" smtClean="0"/>
+              <a:rPr lang="es-MX" sz="2400" dirty="0"/>
               <a:t>Visualización y narrativa de Historias</a:t>
             </a:r>
-            <a:endParaRPr lang="es-MX" sz="2400" dirty="0"/>
           </a:p>
         </p:txBody>
       </p:sp>
@@ -7803,10 +8139,9 @@
               <a:buNone/>
             </a:pPr>
             <a:r>
-              <a:rPr lang="es-MX" dirty="0" smtClean="0"/>
+              <a:rPr lang="es-MX" dirty="0"/>
               <a:t>¿Cómo explicamos la ciencia de datos?</a:t>
             </a:r>
-            <a:endParaRPr lang="es-MX" dirty="0"/>
           </a:p>
         </p:txBody>
       </p:sp>
@@ -7920,13 +8255,6 @@
   <p:clrMapOvr>
     <a:masterClrMapping/>
   </p:clrMapOvr>
-  <p:timing>
-    <p:tnLst>
-      <p:par>
-        <p:cTn id="1" dur="indefinite" restart="never" nodeType="tmRoot"/>
-      </p:par>
-    </p:tnLst>
-  </p:timing>
 </p:sld>
 </file>
 
@@ -7963,10 +8291,9 @@
           <a:lstStyle/>
           <a:p>
             <a:r>
-              <a:rPr lang="es-MX" dirty="0" smtClean="0"/>
+              <a:rPr lang="es-MX" dirty="0"/>
               <a:t>Por que necesitamos aprender narrativa</a:t>
             </a:r>
-            <a:endParaRPr lang="es-MX" dirty="0"/>
           </a:p>
         </p:txBody>
       </p:sp>
@@ -7986,29 +8313,28 @@
           <a:lstStyle/>
           <a:p>
             <a:r>
-              <a:rPr lang="es-MX" dirty="0" smtClean="0"/>
+              <a:rPr lang="es-MX" dirty="0"/>
               <a:t>La ciencia de Datos no esta dirigida a TI</a:t>
             </a:r>
           </a:p>
           <a:p>
             <a:pPr lvl="1"/>
             <a:r>
-              <a:rPr lang="es-MX" dirty="0" smtClean="0"/>
+              <a:rPr lang="es-MX" dirty="0"/>
               <a:t>Está dirigida al público</a:t>
             </a:r>
           </a:p>
           <a:p>
             <a:r>
-              <a:rPr lang="es-MX" dirty="0" smtClean="0"/>
+              <a:rPr lang="es-MX" dirty="0"/>
               <a:t>Cómo es que tu solución trae valor?</a:t>
             </a:r>
           </a:p>
           <a:p>
             <a:r>
-              <a:rPr lang="es-MX" dirty="0" smtClean="0"/>
+              <a:rPr lang="es-MX" dirty="0"/>
               <a:t>Cómo es tu solución mejor a lo ya antes expuesto</a:t>
             </a:r>
-            <a:endParaRPr lang="es-MX" dirty="0"/>
           </a:p>
         </p:txBody>
       </p:sp>
@@ -8090,10 +8416,9 @@
           <a:lstStyle/>
           <a:p>
             <a:r>
-              <a:rPr lang="es-MX" dirty="0" smtClean="0"/>
+              <a:rPr lang="es-MX" dirty="0"/>
               <a:t>Como contar historias</a:t>
             </a:r>
-            <a:endParaRPr lang="es-MX" dirty="0"/>
           </a:p>
         </p:txBody>
       </p:sp>
@@ -8113,16 +8438,15 @@
           <a:lstStyle/>
           <a:p>
             <a:r>
-              <a:rPr lang="es-MX" dirty="0" smtClean="0"/>
+              <a:rPr lang="es-MX" dirty="0"/>
               <a:t>La ciencia de datos utiliza gráficas para contar historias.</a:t>
             </a:r>
           </a:p>
           <a:p>
             <a:r>
-              <a:rPr lang="es-MX" dirty="0" smtClean="0"/>
+              <a:rPr lang="es-MX" dirty="0"/>
               <a:t>Como toda historia, tiene un principio, un medio y un final.</a:t>
             </a:r>
-            <a:endParaRPr lang="es-MX" dirty="0"/>
           </a:p>
         </p:txBody>
       </p:sp>
@@ -8204,10 +8528,9 @@
           <a:lstStyle/>
           <a:p>
             <a:r>
-              <a:rPr lang="es-MX" dirty="0" smtClean="0"/>
+              <a:rPr lang="es-MX" dirty="0"/>
               <a:t>Elementos de una historia</a:t>
             </a:r>
-            <a:endParaRPr lang="es-MX" dirty="0"/>
           </a:p>
         </p:txBody>
       </p:sp>
@@ -8227,16 +8550,16 @@
           <a:lstStyle/>
           <a:p>
             <a:r>
-              <a:rPr lang="es-MX" sz="1600" dirty="0" smtClean="0"/>
+              <a:rPr lang="es-MX" sz="1600" dirty="0"/>
               <a:t>Locación (Donde)</a:t>
             </a:r>
           </a:p>
           <a:p>
-            <a:endParaRPr lang="es-MX" sz="1600" dirty="0" smtClean="0"/>
+            <a:endParaRPr lang="es-MX" sz="1600" dirty="0"/>
           </a:p>
           <a:p>
             <a:r>
-              <a:rPr lang="es-MX" sz="1600" dirty="0" smtClean="0"/>
+              <a:rPr lang="es-MX" sz="1600" dirty="0"/>
               <a:t>Héroe (Quién)</a:t>
             </a:r>
           </a:p>
@@ -8245,7 +8568,7 @@
           </a:p>
           <a:p>
             <a:r>
-              <a:rPr lang="es-MX" sz="1600" dirty="0" smtClean="0"/>
+              <a:rPr lang="es-MX" sz="1600" dirty="0"/>
               <a:t>Contexto Histórico (Cuando)</a:t>
             </a:r>
           </a:p>
@@ -8254,7 +8577,7 @@
           </a:p>
           <a:p>
             <a:r>
-              <a:rPr lang="es-MX" sz="1600" dirty="0" smtClean="0"/>
+              <a:rPr lang="es-MX" sz="1600" dirty="0"/>
               <a:t>Historia (Como)</a:t>
             </a:r>
           </a:p>
@@ -8263,7 +8586,7 @@
           </a:p>
           <a:p>
             <a:r>
-              <a:rPr lang="es-MX" sz="1600" dirty="0" smtClean="0"/>
+              <a:rPr lang="es-MX" sz="1600" dirty="0"/>
               <a:t>Villano (Porque)</a:t>
             </a:r>
           </a:p>
@@ -8350,10 +8673,9 @@
           <a:lstStyle/>
           <a:p>
             <a:r>
-              <a:rPr lang="es-MX" dirty="0" smtClean="0"/>
+              <a:rPr lang="es-MX" dirty="0"/>
               <a:t>Películas</a:t>
             </a:r>
-            <a:endParaRPr lang="es-MX" dirty="0"/>
           </a:p>
         </p:txBody>
       </p:sp>
@@ -8517,10 +8839,9 @@
           <a:lstStyle/>
           <a:p>
             <a:r>
-              <a:rPr lang="es-MX" dirty="0" smtClean="0"/>
+              <a:rPr lang="es-MX" dirty="0"/>
               <a:t>Elementos Narrativos</a:t>
             </a:r>
-            <a:endParaRPr lang="es-MX" dirty="0"/>
           </a:p>
         </p:txBody>
       </p:sp>
@@ -8540,35 +8861,35 @@
           <a:lstStyle/>
           <a:p>
             <a:r>
-              <a:rPr lang="es-MX" dirty="0" smtClean="0"/>
+              <a:rPr lang="es-MX" dirty="0"/>
               <a:t>Quién es el mejor superhéroe:</a:t>
             </a:r>
           </a:p>
           <a:p>
             <a:pPr lvl="1"/>
             <a:r>
-              <a:rPr lang="es-MX" dirty="0" smtClean="0"/>
+              <a:rPr lang="es-MX" dirty="0"/>
               <a:t>Batman</a:t>
             </a:r>
           </a:p>
           <a:p>
             <a:pPr lvl="1"/>
             <a:r>
-              <a:rPr lang="es-MX" dirty="0" smtClean="0"/>
+              <a:rPr lang="es-MX" dirty="0"/>
               <a:t>Capitán América</a:t>
             </a:r>
           </a:p>
           <a:p>
             <a:pPr lvl="1"/>
             <a:r>
-              <a:rPr lang="es-MX" dirty="0" smtClean="0"/>
+              <a:rPr lang="es-MX" dirty="0"/>
               <a:t>Superman</a:t>
             </a:r>
           </a:p>
           <a:p>
             <a:pPr lvl="1"/>
             <a:r>
-              <a:rPr lang="es-MX" dirty="0" err="1" smtClean="0"/>
+              <a:rPr lang="es-MX" dirty="0" err="1"/>
               <a:t>Aquaman</a:t>
             </a:r>
             <a:endParaRPr lang="es-MX" dirty="0"/>
